--- a/talks/dept_present.pptx
+++ b/talks/dept_present.pptx
@@ -5,7 +5,7 @@
     <p:sldMasterId id="2147483660" r:id="rId1"/>
   </p:sldMasterIdLst>
   <p:notesMasterIdLst>
-    <p:notesMasterId r:id="rId23"/>
+    <p:notesMasterId r:id="rId27"/>
   </p:notesMasterIdLst>
   <p:sldIdLst>
     <p:sldId id="256" r:id="rId2"/>
@@ -21,14 +21,18 @@
     <p:sldId id="755" r:id="rId12"/>
     <p:sldId id="757" r:id="rId13"/>
     <p:sldId id="758" r:id="rId14"/>
-    <p:sldId id="759" r:id="rId15"/>
-    <p:sldId id="756" r:id="rId16"/>
-    <p:sldId id="760" r:id="rId17"/>
-    <p:sldId id="762" r:id="rId18"/>
-    <p:sldId id="761" r:id="rId19"/>
-    <p:sldId id="763" r:id="rId20"/>
-    <p:sldId id="765" r:id="rId21"/>
-    <p:sldId id="764" r:id="rId22"/>
+    <p:sldId id="766" r:id="rId15"/>
+    <p:sldId id="768" r:id="rId16"/>
+    <p:sldId id="769" r:id="rId17"/>
+    <p:sldId id="759" r:id="rId18"/>
+    <p:sldId id="756" r:id="rId19"/>
+    <p:sldId id="760" r:id="rId20"/>
+    <p:sldId id="762" r:id="rId21"/>
+    <p:sldId id="761" r:id="rId22"/>
+    <p:sldId id="763" r:id="rId23"/>
+    <p:sldId id="765" r:id="rId24"/>
+    <p:sldId id="764" r:id="rId25"/>
+    <p:sldId id="767" r:id="rId26"/>
   </p:sldIdLst>
   <p:sldSz cx="9144000" cy="6858000" type="screen4x3"/>
   <p:notesSz cx="6858000" cy="9144000"/>
@@ -217,7 +221,7 @@
           <a:p>
             <a:fld id="{FDF6A0EE-C7F6-4A2B-A548-4CE14A2649CF}" type="datetimeFigureOut">
               <a:rPr lang="en-US" smtClean="0"/>
-              <a:t>3/4/2020</a:t>
+              <a:t>3/5/2020</a:t>
             </a:fld>
             <a:endParaRPr lang="en-US"/>
           </a:p>
@@ -530,8 +534,19 @@
           <a:p>
             <a:r>
               <a:rPr lang="en-US" dirty="0"/>
-              <a:t>GitHub: </a:t>
-            </a:r>
+              <a:t>Decentralized: local versions, “easy” to create a whole new copy of the project that can be reintegrated into the original one</a:t>
+            </a:r>
+          </a:p>
+          <a:p>
+            <a:r>
+              <a:rPr lang="en-US" dirty="0"/>
+              <a:t>GitHub: owned by </a:t>
+            </a:r>
+            <a:r>
+              <a:rPr lang="en-US" dirty="0" err="1"/>
+              <a:t>microsoft</a:t>
+            </a:r>
+            <a:endParaRPr lang="en-US" dirty="0"/>
           </a:p>
         </p:txBody>
       </p:sp>
@@ -702,16 +717,7 @@
           <a:bodyPr/>
           <a:lstStyle/>
           <a:p>
-            <a:r>
-              <a:rPr lang="en-US" dirty="0"/>
-              <a:t>Barebones in functionality but useable. For example, can create a local git repository, but can’t then make that also a global one through GitHub</a:t>
-            </a:r>
-          </a:p>
-          <a:p>
-            <a:r>
-              <a:rPr lang="en-US" dirty="0"/>
-              <a:t>If you want to share through GitHub, you need to first </a:t>
-            </a:r>
+            <a:endParaRPr lang="en-US" dirty="0"/>
           </a:p>
         </p:txBody>
       </p:sp>
@@ -732,7 +738,7 @@
           <a:p>
             <a:fld id="{10AF7DCA-71B3-4602-A5EF-5F458E35F1C6}" type="slidenum">
               <a:rPr lang="en-US" smtClean="0"/>
-              <a:t>15</a:t>
+              <a:t>14</a:t>
             </a:fld>
             <a:endParaRPr lang="en-US"/>
           </a:p>
@@ -741,7 +747,7 @@
     </p:spTree>
     <p:extLst>
       <p:ext uri="{BB962C8B-B14F-4D97-AF65-F5344CB8AC3E}">
-        <p14:creationId xmlns:p14="http://schemas.microsoft.com/office/powerpoint/2010/main" val="1827537487"/>
+        <p14:creationId xmlns:p14="http://schemas.microsoft.com/office/powerpoint/2010/main" val="1526551396"/>
       </p:ext>
     </p:extLst>
   </p:cSld>
@@ -796,6 +802,183 @@
           <a:lstStyle/>
           <a:p>
             <a:r>
+              <a:rPr lang="en-US" dirty="0"/>
+              <a:t>Barebones in functionality but useable. For example, can create a local git repository, but can’t then make that also a global one through GitHub</a:t>
+            </a:r>
+          </a:p>
+          <a:p>
+            <a:r>
+              <a:rPr lang="en-US" dirty="0"/>
+              <a:t>If you want to share through GitHub, you need to first </a:t>
+            </a:r>
+          </a:p>
+        </p:txBody>
+      </p:sp>
+      <p:sp>
+        <p:nvSpPr>
+          <p:cNvPr id="4" name="Slide Number Placeholder 3"/>
+          <p:cNvSpPr>
+            <a:spLocks noGrp="1"/>
+          </p:cNvSpPr>
+          <p:nvPr>
+            <p:ph type="sldNum" sz="quarter" idx="5"/>
+          </p:nvPr>
+        </p:nvSpPr>
+        <p:spPr/>
+        <p:txBody>
+          <a:bodyPr/>
+          <a:lstStyle/>
+          <a:p>
+            <a:fld id="{10AF7DCA-71B3-4602-A5EF-5F458E35F1C6}" type="slidenum">
+              <a:rPr lang="en-US" smtClean="0"/>
+              <a:t>18</a:t>
+            </a:fld>
+            <a:endParaRPr lang="en-US"/>
+          </a:p>
+        </p:txBody>
+      </p:sp>
+    </p:spTree>
+    <p:extLst>
+      <p:ext uri="{BB962C8B-B14F-4D97-AF65-F5344CB8AC3E}">
+        <p14:creationId xmlns:p14="http://schemas.microsoft.com/office/powerpoint/2010/main" val="1827537487"/>
+      </p:ext>
+    </p:extLst>
+  </p:cSld>
+  <p:clrMapOvr>
+    <a:masterClrMapping/>
+  </p:clrMapOvr>
+</p:notes>
+</file>
+
+<file path=ppt/notesSlides/notesSlide5.xml><?xml version="1.0" encoding="utf-8"?>
+<p:notes xmlns:a="http://schemas.openxmlformats.org/drawingml/2006/main" xmlns:r="http://schemas.openxmlformats.org/officeDocument/2006/relationships" xmlns:p="http://schemas.openxmlformats.org/presentationml/2006/main">
+  <p:cSld>
+    <p:spTree>
+      <p:nvGrpSpPr>
+        <p:cNvPr id="1" name=""/>
+        <p:cNvGrpSpPr/>
+        <p:nvPr/>
+      </p:nvGrpSpPr>
+      <p:grpSpPr>
+        <a:xfrm>
+          <a:off x="0" y="0"/>
+          <a:ext cx="0" cy="0"/>
+          <a:chOff x="0" y="0"/>
+          <a:chExt cx="0" cy="0"/>
+        </a:xfrm>
+      </p:grpSpPr>
+      <p:sp>
+        <p:nvSpPr>
+          <p:cNvPr id="2" name="Slide Image Placeholder 1"/>
+          <p:cNvSpPr>
+            <a:spLocks noGrp="1" noRot="1" noChangeAspect="1"/>
+          </p:cNvSpPr>
+          <p:nvPr>
+            <p:ph type="sldImg"/>
+          </p:nvPr>
+        </p:nvSpPr>
+        <p:spPr/>
+      </p:sp>
+      <p:sp>
+        <p:nvSpPr>
+          <p:cNvPr id="3" name="Notes Placeholder 2"/>
+          <p:cNvSpPr>
+            <a:spLocks noGrp="1"/>
+          </p:cNvSpPr>
+          <p:nvPr>
+            <p:ph type="body" idx="1"/>
+          </p:nvPr>
+        </p:nvSpPr>
+        <p:spPr/>
+        <p:txBody>
+          <a:bodyPr/>
+          <a:lstStyle/>
+          <a:p>
+            <a:endParaRPr lang="en-US" dirty="0"/>
+          </a:p>
+        </p:txBody>
+      </p:sp>
+      <p:sp>
+        <p:nvSpPr>
+          <p:cNvPr id="4" name="Slide Number Placeholder 3"/>
+          <p:cNvSpPr>
+            <a:spLocks noGrp="1"/>
+          </p:cNvSpPr>
+          <p:nvPr>
+            <p:ph type="sldNum" sz="quarter" idx="5"/>
+          </p:nvPr>
+        </p:nvSpPr>
+        <p:spPr/>
+        <p:txBody>
+          <a:bodyPr/>
+          <a:lstStyle/>
+          <a:p>
+            <a:fld id="{10AF7DCA-71B3-4602-A5EF-5F458E35F1C6}" type="slidenum">
+              <a:rPr lang="en-US" smtClean="0"/>
+              <a:t>20</a:t>
+            </a:fld>
+            <a:endParaRPr lang="en-US"/>
+          </a:p>
+        </p:txBody>
+      </p:sp>
+    </p:spTree>
+    <p:extLst>
+      <p:ext uri="{BB962C8B-B14F-4D97-AF65-F5344CB8AC3E}">
+        <p14:creationId xmlns:p14="http://schemas.microsoft.com/office/powerpoint/2010/main" val="3303394296"/>
+      </p:ext>
+    </p:extLst>
+  </p:cSld>
+  <p:clrMapOvr>
+    <a:masterClrMapping/>
+  </p:clrMapOvr>
+</p:notes>
+</file>
+
+<file path=ppt/notesSlides/notesSlide6.xml><?xml version="1.0" encoding="utf-8"?>
+<p:notes xmlns:a="http://schemas.openxmlformats.org/drawingml/2006/main" xmlns:r="http://schemas.openxmlformats.org/officeDocument/2006/relationships" xmlns:p="http://schemas.openxmlformats.org/presentationml/2006/main">
+  <p:cSld>
+    <p:spTree>
+      <p:nvGrpSpPr>
+        <p:cNvPr id="1" name=""/>
+        <p:cNvGrpSpPr/>
+        <p:nvPr/>
+      </p:nvGrpSpPr>
+      <p:grpSpPr>
+        <a:xfrm>
+          <a:off x="0" y="0"/>
+          <a:ext cx="0" cy="0"/>
+          <a:chOff x="0" y="0"/>
+          <a:chExt cx="0" cy="0"/>
+        </a:xfrm>
+      </p:grpSpPr>
+      <p:sp>
+        <p:nvSpPr>
+          <p:cNvPr id="2" name="Slide Image Placeholder 1"/>
+          <p:cNvSpPr>
+            <a:spLocks noGrp="1" noRot="1" noChangeAspect="1"/>
+          </p:cNvSpPr>
+          <p:nvPr>
+            <p:ph type="sldImg"/>
+          </p:nvPr>
+        </p:nvSpPr>
+        <p:spPr/>
+      </p:sp>
+      <p:sp>
+        <p:nvSpPr>
+          <p:cNvPr id="3" name="Notes Placeholder 2"/>
+          <p:cNvSpPr>
+            <a:spLocks noGrp="1"/>
+          </p:cNvSpPr>
+          <p:nvPr>
+            <p:ph type="body" idx="1"/>
+          </p:nvPr>
+        </p:nvSpPr>
+        <p:spPr/>
+        <p:txBody>
+          <a:bodyPr/>
+          <a:lstStyle/>
+          <a:p>
+            <a:r>
               <a:rPr lang="en-US" dirty="0" err="1"/>
               <a:t>Rstudio</a:t>
             </a:r>
@@ -823,7 +1006,7 @@
           <a:p>
             <a:fld id="{10AF7DCA-71B3-4602-A5EF-5F458E35F1C6}" type="slidenum">
               <a:rPr lang="en-US" smtClean="0"/>
-              <a:t>21</a:t>
+              <a:t>24</a:t>
             </a:fld>
             <a:endParaRPr lang="en-US"/>
           </a:p>
@@ -973,7 +1156,7 @@
           <a:p>
             <a:fld id="{3069037A-CF1E-46F2-86BA-AC09A69A8B70}" type="datetimeFigureOut">
               <a:rPr lang="en-US" smtClean="0"/>
-              <a:t>3/4/2020</a:t>
+              <a:t>3/5/2020</a:t>
             </a:fld>
             <a:endParaRPr lang="en-US"/>
           </a:p>
@@ -1143,7 +1326,7 @@
           <a:p>
             <a:fld id="{3069037A-CF1E-46F2-86BA-AC09A69A8B70}" type="datetimeFigureOut">
               <a:rPr lang="en-US" smtClean="0"/>
-              <a:t>3/4/2020</a:t>
+              <a:t>3/5/2020</a:t>
             </a:fld>
             <a:endParaRPr lang="en-US"/>
           </a:p>
@@ -1323,7 +1506,7 @@
           <a:p>
             <a:fld id="{3069037A-CF1E-46F2-86BA-AC09A69A8B70}" type="datetimeFigureOut">
               <a:rPr lang="en-US" smtClean="0"/>
-              <a:t>3/4/2020</a:t>
+              <a:t>3/5/2020</a:t>
             </a:fld>
             <a:endParaRPr lang="en-US"/>
           </a:p>
@@ -1493,7 +1676,7 @@
           <a:p>
             <a:fld id="{3069037A-CF1E-46F2-86BA-AC09A69A8B70}" type="datetimeFigureOut">
               <a:rPr lang="en-US" smtClean="0"/>
-              <a:t>3/4/2020</a:t>
+              <a:t>3/5/2020</a:t>
             </a:fld>
             <a:endParaRPr lang="en-US"/>
           </a:p>
@@ -1737,7 +1920,7 @@
           <a:p>
             <a:fld id="{3069037A-CF1E-46F2-86BA-AC09A69A8B70}" type="datetimeFigureOut">
               <a:rPr lang="en-US" smtClean="0"/>
-              <a:t>3/4/2020</a:t>
+              <a:t>3/5/2020</a:t>
             </a:fld>
             <a:endParaRPr lang="en-US"/>
           </a:p>
@@ -1969,7 +2152,7 @@
           <a:p>
             <a:fld id="{3069037A-CF1E-46F2-86BA-AC09A69A8B70}" type="datetimeFigureOut">
               <a:rPr lang="en-US" smtClean="0"/>
-              <a:t>3/4/2020</a:t>
+              <a:t>3/5/2020</a:t>
             </a:fld>
             <a:endParaRPr lang="en-US"/>
           </a:p>
@@ -2336,7 +2519,7 @@
           <a:p>
             <a:fld id="{3069037A-CF1E-46F2-86BA-AC09A69A8B70}" type="datetimeFigureOut">
               <a:rPr lang="en-US" smtClean="0"/>
-              <a:t>3/4/2020</a:t>
+              <a:t>3/5/2020</a:t>
             </a:fld>
             <a:endParaRPr lang="en-US"/>
           </a:p>
@@ -2454,7 +2637,7 @@
           <a:p>
             <a:fld id="{3069037A-CF1E-46F2-86BA-AC09A69A8B70}" type="datetimeFigureOut">
               <a:rPr lang="en-US" smtClean="0"/>
-              <a:t>3/4/2020</a:t>
+              <a:t>3/5/2020</a:t>
             </a:fld>
             <a:endParaRPr lang="en-US"/>
           </a:p>
@@ -2549,7 +2732,7 @@
           <a:p>
             <a:fld id="{3069037A-CF1E-46F2-86BA-AC09A69A8B70}" type="datetimeFigureOut">
               <a:rPr lang="en-US" smtClean="0"/>
-              <a:t>3/4/2020</a:t>
+              <a:t>3/5/2020</a:t>
             </a:fld>
             <a:endParaRPr lang="en-US"/>
           </a:p>
@@ -2826,7 +3009,7 @@
           <a:p>
             <a:fld id="{3069037A-CF1E-46F2-86BA-AC09A69A8B70}" type="datetimeFigureOut">
               <a:rPr lang="en-US" smtClean="0"/>
-              <a:t>3/4/2020</a:t>
+              <a:t>3/5/2020</a:t>
             </a:fld>
             <a:endParaRPr lang="en-US"/>
           </a:p>
@@ -3083,7 +3266,7 @@
           <a:p>
             <a:fld id="{3069037A-CF1E-46F2-86BA-AC09A69A8B70}" type="datetimeFigureOut">
               <a:rPr lang="en-US" smtClean="0"/>
-              <a:t>3/4/2020</a:t>
+              <a:t>3/5/2020</a:t>
             </a:fld>
             <a:endParaRPr lang="en-US"/>
           </a:p>
@@ -3296,7 +3479,7 @@
           <a:p>
             <a:fld id="{3069037A-CF1E-46F2-86BA-AC09A69A8B70}" type="datetimeFigureOut">
               <a:rPr lang="en-US" smtClean="0"/>
-              <a:t>3/4/2020</a:t>
+              <a:t>3/5/2020</a:t>
             </a:fld>
             <a:endParaRPr lang="en-US"/>
           </a:p>
@@ -4130,6 +4313,475 @@
   <p:clrMapOvr>
     <a:masterClrMapping/>
   </p:clrMapOvr>
+  <p:timing>
+    <p:tnLst>
+      <p:par>
+        <p:cTn id="1" dur="indefinite" restart="never" nodeType="tmRoot">
+          <p:childTnLst>
+            <p:seq concurrent="1" nextAc="seek">
+              <p:cTn id="2" dur="indefinite" nodeType="mainSeq">
+                <p:childTnLst>
+                  <p:par>
+                    <p:cTn id="3" fill="hold">
+                      <p:stCondLst>
+                        <p:cond delay="indefinite"/>
+                      </p:stCondLst>
+                      <p:childTnLst>
+                        <p:par>
+                          <p:cTn id="4" fill="hold">
+                            <p:stCondLst>
+                              <p:cond delay="0"/>
+                            </p:stCondLst>
+                            <p:childTnLst>
+                              <p:par>
+                                <p:cTn id="5" presetID="1" presetClass="entr" presetSubtype="0" fill="hold" grpId="0" nodeType="clickEffect">
+                                  <p:stCondLst>
+                                    <p:cond delay="0"/>
+                                  </p:stCondLst>
+                                  <p:childTnLst>
+                                    <p:set>
+                                      <p:cBhvr>
+                                        <p:cTn id="6" dur="1" fill="hold">
+                                          <p:stCondLst>
+                                            <p:cond delay="0"/>
+                                          </p:stCondLst>
+                                        </p:cTn>
+                                        <p:tgtEl>
+                                          <p:spTgt spid="3">
+                                            <p:txEl>
+                                              <p:pRg st="0" end="0"/>
+                                            </p:txEl>
+                                          </p:spTgt>
+                                        </p:tgtEl>
+                                        <p:attrNameLst>
+                                          <p:attrName>style.visibility</p:attrName>
+                                        </p:attrNameLst>
+                                      </p:cBhvr>
+                                      <p:to>
+                                        <p:strVal val="visible"/>
+                                      </p:to>
+                                    </p:set>
+                                  </p:childTnLst>
+                                </p:cTn>
+                              </p:par>
+                              <p:par>
+                                <p:cTn id="7" presetID="1" presetClass="entr" presetSubtype="0" fill="hold" grpId="0" nodeType="withEffect">
+                                  <p:stCondLst>
+                                    <p:cond delay="0"/>
+                                  </p:stCondLst>
+                                  <p:childTnLst>
+                                    <p:set>
+                                      <p:cBhvr>
+                                        <p:cTn id="8" dur="1" fill="hold">
+                                          <p:stCondLst>
+                                            <p:cond delay="0"/>
+                                          </p:stCondLst>
+                                        </p:cTn>
+                                        <p:tgtEl>
+                                          <p:spTgt spid="3">
+                                            <p:txEl>
+                                              <p:pRg st="1" end="1"/>
+                                            </p:txEl>
+                                          </p:spTgt>
+                                        </p:tgtEl>
+                                        <p:attrNameLst>
+                                          <p:attrName>style.visibility</p:attrName>
+                                        </p:attrNameLst>
+                                      </p:cBhvr>
+                                      <p:to>
+                                        <p:strVal val="visible"/>
+                                      </p:to>
+                                    </p:set>
+                                  </p:childTnLst>
+                                </p:cTn>
+                              </p:par>
+                            </p:childTnLst>
+                          </p:cTn>
+                        </p:par>
+                      </p:childTnLst>
+                    </p:cTn>
+                  </p:par>
+                  <p:par>
+                    <p:cTn id="9" fill="hold">
+                      <p:stCondLst>
+                        <p:cond delay="indefinite"/>
+                      </p:stCondLst>
+                      <p:childTnLst>
+                        <p:par>
+                          <p:cTn id="10" fill="hold">
+                            <p:stCondLst>
+                              <p:cond delay="0"/>
+                            </p:stCondLst>
+                            <p:childTnLst>
+                              <p:par>
+                                <p:cTn id="11" presetID="1" presetClass="entr" presetSubtype="0" fill="hold" grpId="0" nodeType="clickEffect">
+                                  <p:stCondLst>
+                                    <p:cond delay="0"/>
+                                  </p:stCondLst>
+                                  <p:childTnLst>
+                                    <p:set>
+                                      <p:cBhvr>
+                                        <p:cTn id="12" dur="1" fill="hold">
+                                          <p:stCondLst>
+                                            <p:cond delay="0"/>
+                                          </p:stCondLst>
+                                        </p:cTn>
+                                        <p:tgtEl>
+                                          <p:spTgt spid="3">
+                                            <p:txEl>
+                                              <p:pRg st="2" end="2"/>
+                                            </p:txEl>
+                                          </p:spTgt>
+                                        </p:tgtEl>
+                                        <p:attrNameLst>
+                                          <p:attrName>style.visibility</p:attrName>
+                                        </p:attrNameLst>
+                                      </p:cBhvr>
+                                      <p:to>
+                                        <p:strVal val="visible"/>
+                                      </p:to>
+                                    </p:set>
+                                  </p:childTnLst>
+                                </p:cTn>
+                              </p:par>
+                            </p:childTnLst>
+                          </p:cTn>
+                        </p:par>
+                      </p:childTnLst>
+                    </p:cTn>
+                  </p:par>
+                  <p:par>
+                    <p:cTn id="13" fill="hold">
+                      <p:stCondLst>
+                        <p:cond delay="indefinite"/>
+                      </p:stCondLst>
+                      <p:childTnLst>
+                        <p:par>
+                          <p:cTn id="14" fill="hold">
+                            <p:stCondLst>
+                              <p:cond delay="0"/>
+                            </p:stCondLst>
+                            <p:childTnLst>
+                              <p:par>
+                                <p:cTn id="15" presetID="1" presetClass="entr" presetSubtype="0" fill="hold" grpId="0" nodeType="clickEffect">
+                                  <p:stCondLst>
+                                    <p:cond delay="0"/>
+                                  </p:stCondLst>
+                                  <p:childTnLst>
+                                    <p:set>
+                                      <p:cBhvr>
+                                        <p:cTn id="16" dur="1" fill="hold">
+                                          <p:stCondLst>
+                                            <p:cond delay="0"/>
+                                          </p:stCondLst>
+                                        </p:cTn>
+                                        <p:tgtEl>
+                                          <p:spTgt spid="3">
+                                            <p:txEl>
+                                              <p:pRg st="3" end="3"/>
+                                            </p:txEl>
+                                          </p:spTgt>
+                                        </p:tgtEl>
+                                        <p:attrNameLst>
+                                          <p:attrName>style.visibility</p:attrName>
+                                        </p:attrNameLst>
+                                      </p:cBhvr>
+                                      <p:to>
+                                        <p:strVal val="visible"/>
+                                      </p:to>
+                                    </p:set>
+                                  </p:childTnLst>
+                                </p:cTn>
+                              </p:par>
+                            </p:childTnLst>
+                          </p:cTn>
+                        </p:par>
+                      </p:childTnLst>
+                    </p:cTn>
+                  </p:par>
+                  <p:par>
+                    <p:cTn id="17" fill="hold">
+                      <p:stCondLst>
+                        <p:cond delay="indefinite"/>
+                      </p:stCondLst>
+                      <p:childTnLst>
+                        <p:par>
+                          <p:cTn id="18" fill="hold">
+                            <p:stCondLst>
+                              <p:cond delay="0"/>
+                            </p:stCondLst>
+                            <p:childTnLst>
+                              <p:par>
+                                <p:cTn id="19" presetID="1" presetClass="entr" presetSubtype="0" fill="hold" grpId="0" nodeType="clickEffect">
+                                  <p:stCondLst>
+                                    <p:cond delay="0"/>
+                                  </p:stCondLst>
+                                  <p:childTnLst>
+                                    <p:set>
+                                      <p:cBhvr>
+                                        <p:cTn id="20" dur="1" fill="hold">
+                                          <p:stCondLst>
+                                            <p:cond delay="0"/>
+                                          </p:stCondLst>
+                                        </p:cTn>
+                                        <p:tgtEl>
+                                          <p:spTgt spid="3">
+                                            <p:txEl>
+                                              <p:pRg st="4" end="4"/>
+                                            </p:txEl>
+                                          </p:spTgt>
+                                        </p:tgtEl>
+                                        <p:attrNameLst>
+                                          <p:attrName>style.visibility</p:attrName>
+                                        </p:attrNameLst>
+                                      </p:cBhvr>
+                                      <p:to>
+                                        <p:strVal val="visible"/>
+                                      </p:to>
+                                    </p:set>
+                                  </p:childTnLst>
+                                </p:cTn>
+                              </p:par>
+                            </p:childTnLst>
+                          </p:cTn>
+                        </p:par>
+                      </p:childTnLst>
+                    </p:cTn>
+                  </p:par>
+                  <p:par>
+                    <p:cTn id="21" fill="hold">
+                      <p:stCondLst>
+                        <p:cond delay="indefinite"/>
+                      </p:stCondLst>
+                      <p:childTnLst>
+                        <p:par>
+                          <p:cTn id="22" fill="hold">
+                            <p:stCondLst>
+                              <p:cond delay="0"/>
+                            </p:stCondLst>
+                            <p:childTnLst>
+                              <p:par>
+                                <p:cTn id="23" presetID="1" presetClass="entr" presetSubtype="0" fill="hold" grpId="0" nodeType="clickEffect">
+                                  <p:stCondLst>
+                                    <p:cond delay="0"/>
+                                  </p:stCondLst>
+                                  <p:childTnLst>
+                                    <p:set>
+                                      <p:cBhvr>
+                                        <p:cTn id="24" dur="1" fill="hold">
+                                          <p:stCondLst>
+                                            <p:cond delay="0"/>
+                                          </p:stCondLst>
+                                        </p:cTn>
+                                        <p:tgtEl>
+                                          <p:spTgt spid="3">
+                                            <p:txEl>
+                                              <p:pRg st="5" end="5"/>
+                                            </p:txEl>
+                                          </p:spTgt>
+                                        </p:tgtEl>
+                                        <p:attrNameLst>
+                                          <p:attrName>style.visibility</p:attrName>
+                                        </p:attrNameLst>
+                                      </p:cBhvr>
+                                      <p:to>
+                                        <p:strVal val="visible"/>
+                                      </p:to>
+                                    </p:set>
+                                  </p:childTnLst>
+                                </p:cTn>
+                              </p:par>
+                            </p:childTnLst>
+                          </p:cTn>
+                        </p:par>
+                      </p:childTnLst>
+                    </p:cTn>
+                  </p:par>
+                  <p:par>
+                    <p:cTn id="25" fill="hold">
+                      <p:stCondLst>
+                        <p:cond delay="indefinite"/>
+                      </p:stCondLst>
+                      <p:childTnLst>
+                        <p:par>
+                          <p:cTn id="26" fill="hold">
+                            <p:stCondLst>
+                              <p:cond delay="0"/>
+                            </p:stCondLst>
+                            <p:childTnLst>
+                              <p:par>
+                                <p:cTn id="27" presetID="1" presetClass="entr" presetSubtype="0" fill="hold" grpId="0" nodeType="clickEffect">
+                                  <p:stCondLst>
+                                    <p:cond delay="0"/>
+                                  </p:stCondLst>
+                                  <p:childTnLst>
+                                    <p:set>
+                                      <p:cBhvr>
+                                        <p:cTn id="28" dur="1" fill="hold">
+                                          <p:stCondLst>
+                                            <p:cond delay="0"/>
+                                          </p:stCondLst>
+                                        </p:cTn>
+                                        <p:tgtEl>
+                                          <p:spTgt spid="3">
+                                            <p:txEl>
+                                              <p:pRg st="7" end="7"/>
+                                            </p:txEl>
+                                          </p:spTgt>
+                                        </p:tgtEl>
+                                        <p:attrNameLst>
+                                          <p:attrName>style.visibility</p:attrName>
+                                        </p:attrNameLst>
+                                      </p:cBhvr>
+                                      <p:to>
+                                        <p:strVal val="visible"/>
+                                      </p:to>
+                                    </p:set>
+                                  </p:childTnLst>
+                                </p:cTn>
+                              </p:par>
+                            </p:childTnLst>
+                          </p:cTn>
+                        </p:par>
+                      </p:childTnLst>
+                    </p:cTn>
+                  </p:par>
+                  <p:par>
+                    <p:cTn id="29" fill="hold">
+                      <p:stCondLst>
+                        <p:cond delay="indefinite"/>
+                      </p:stCondLst>
+                      <p:childTnLst>
+                        <p:par>
+                          <p:cTn id="30" fill="hold">
+                            <p:stCondLst>
+                              <p:cond delay="0"/>
+                            </p:stCondLst>
+                            <p:childTnLst>
+                              <p:par>
+                                <p:cTn id="31" presetID="1" presetClass="entr" presetSubtype="0" fill="hold" grpId="0" nodeType="clickEffect">
+                                  <p:stCondLst>
+                                    <p:cond delay="0"/>
+                                  </p:stCondLst>
+                                  <p:childTnLst>
+                                    <p:set>
+                                      <p:cBhvr>
+                                        <p:cTn id="32" dur="1" fill="hold">
+                                          <p:stCondLst>
+                                            <p:cond delay="0"/>
+                                          </p:stCondLst>
+                                        </p:cTn>
+                                        <p:tgtEl>
+                                          <p:spTgt spid="3">
+                                            <p:txEl>
+                                              <p:pRg st="9" end="9"/>
+                                            </p:txEl>
+                                          </p:spTgt>
+                                        </p:tgtEl>
+                                        <p:attrNameLst>
+                                          <p:attrName>style.visibility</p:attrName>
+                                        </p:attrNameLst>
+                                      </p:cBhvr>
+                                      <p:to>
+                                        <p:strVal val="visible"/>
+                                      </p:to>
+                                    </p:set>
+                                  </p:childTnLst>
+                                </p:cTn>
+                              </p:par>
+                              <p:par>
+                                <p:cTn id="33" presetID="1" presetClass="entr" presetSubtype="0" fill="hold" grpId="0" nodeType="withEffect">
+                                  <p:stCondLst>
+                                    <p:cond delay="0"/>
+                                  </p:stCondLst>
+                                  <p:childTnLst>
+                                    <p:set>
+                                      <p:cBhvr>
+                                        <p:cTn id="34" dur="1" fill="hold">
+                                          <p:stCondLst>
+                                            <p:cond delay="0"/>
+                                          </p:stCondLst>
+                                        </p:cTn>
+                                        <p:tgtEl>
+                                          <p:spTgt spid="3">
+                                            <p:txEl>
+                                              <p:pRg st="10" end="10"/>
+                                            </p:txEl>
+                                          </p:spTgt>
+                                        </p:tgtEl>
+                                        <p:attrNameLst>
+                                          <p:attrName>style.visibility</p:attrName>
+                                        </p:attrNameLst>
+                                      </p:cBhvr>
+                                      <p:to>
+                                        <p:strVal val="visible"/>
+                                      </p:to>
+                                    </p:set>
+                                  </p:childTnLst>
+                                </p:cTn>
+                              </p:par>
+                              <p:par>
+                                <p:cTn id="35" presetID="1" presetClass="entr" presetSubtype="0" fill="hold" grpId="0" nodeType="withEffect">
+                                  <p:stCondLst>
+                                    <p:cond delay="0"/>
+                                  </p:stCondLst>
+                                  <p:childTnLst>
+                                    <p:set>
+                                      <p:cBhvr>
+                                        <p:cTn id="36" dur="1" fill="hold">
+                                          <p:stCondLst>
+                                            <p:cond delay="0"/>
+                                          </p:stCondLst>
+                                        </p:cTn>
+                                        <p:tgtEl>
+                                          <p:spTgt spid="3">
+                                            <p:txEl>
+                                              <p:pRg st="11" end="11"/>
+                                            </p:txEl>
+                                          </p:spTgt>
+                                        </p:tgtEl>
+                                        <p:attrNameLst>
+                                          <p:attrName>style.visibility</p:attrName>
+                                        </p:attrNameLst>
+                                      </p:cBhvr>
+                                      <p:to>
+                                        <p:strVal val="visible"/>
+                                      </p:to>
+                                    </p:set>
+                                  </p:childTnLst>
+                                </p:cTn>
+                              </p:par>
+                            </p:childTnLst>
+                          </p:cTn>
+                        </p:par>
+                      </p:childTnLst>
+                    </p:cTn>
+                  </p:par>
+                </p:childTnLst>
+              </p:cTn>
+              <p:prevCondLst>
+                <p:cond evt="onPrev" delay="0">
+                  <p:tgtEl>
+                    <p:sldTgt/>
+                  </p:tgtEl>
+                </p:cond>
+              </p:prevCondLst>
+              <p:nextCondLst>
+                <p:cond evt="onNext" delay="0">
+                  <p:tgtEl>
+                    <p:sldTgt/>
+                  </p:tgtEl>
+                </p:cond>
+              </p:nextCondLst>
+            </p:seq>
+          </p:childTnLst>
+        </p:cTn>
+      </p:par>
+    </p:tnLst>
+    <p:bldLst>
+      <p:bldP spid="3" grpId="0" build="p"/>
+    </p:bldLst>
+  </p:timing>
 </p:sld>
 </file>
 
@@ -4317,45 +4969,6 @@
             </a:pPr>
             <a:endParaRPr lang="en-US" b="1" dirty="0"/>
           </a:p>
-          <a:p>
-            <a:pPr marL="0" indent="0">
-              <a:buNone/>
-            </a:pPr>
-            <a:r>
-              <a:rPr lang="en-US" b="1" dirty="0"/>
-              <a:t>GitHub </a:t>
-            </a:r>
-            <a:r>
-              <a:rPr lang="en-US" dirty="0"/>
-              <a:t>is an online storage for repositories.</a:t>
-            </a:r>
-          </a:p>
-          <a:p>
-            <a:pPr marL="457200" lvl="1" indent="0">
-              <a:buNone/>
-            </a:pPr>
-            <a:r>
-              <a:rPr lang="en-US" dirty="0"/>
-              <a:t>Another layer of official record that is globally accessible.</a:t>
-            </a:r>
-          </a:p>
-          <a:p>
-            <a:pPr marL="457200" lvl="1" indent="0">
-              <a:buNone/>
-            </a:pPr>
-            <a:r>
-              <a:rPr lang="en-US" dirty="0"/>
-              <a:t>GitLab, </a:t>
-            </a:r>
-            <a:r>
-              <a:rPr lang="en-US" dirty="0" err="1"/>
-              <a:t>BitBucket</a:t>
-            </a:r>
-            <a:r>
-              <a:rPr lang="en-US" dirty="0"/>
-              <a:t>, …</a:t>
-            </a:r>
-          </a:p>
         </p:txBody>
       </p:sp>
     </p:spTree>
@@ -4368,6 +4981,281 @@
   <p:clrMapOvr>
     <a:masterClrMapping/>
   </p:clrMapOvr>
+  <p:timing>
+    <p:tnLst>
+      <p:par>
+        <p:cTn id="1" dur="indefinite" restart="never" nodeType="tmRoot">
+          <p:childTnLst>
+            <p:seq concurrent="1" nextAc="seek">
+              <p:cTn id="2" dur="indefinite" nodeType="mainSeq">
+                <p:childTnLst>
+                  <p:par>
+                    <p:cTn id="3" fill="hold">
+                      <p:stCondLst>
+                        <p:cond delay="indefinite"/>
+                      </p:stCondLst>
+                      <p:childTnLst>
+                        <p:par>
+                          <p:cTn id="4" fill="hold">
+                            <p:stCondLst>
+                              <p:cond delay="0"/>
+                            </p:stCondLst>
+                            <p:childTnLst>
+                              <p:par>
+                                <p:cTn id="5" presetID="1" presetClass="entr" presetSubtype="0" fill="hold" nodeType="clickEffect">
+                                  <p:stCondLst>
+                                    <p:cond delay="0"/>
+                                  </p:stCondLst>
+                                  <p:childTnLst>
+                                    <p:set>
+                                      <p:cBhvr>
+                                        <p:cTn id="6" dur="1" fill="hold">
+                                          <p:stCondLst>
+                                            <p:cond delay="0"/>
+                                          </p:stCondLst>
+                                        </p:cTn>
+                                        <p:tgtEl>
+                                          <p:spTgt spid="3">
+                                            <p:txEl>
+                                              <p:pRg st="0" end="0"/>
+                                            </p:txEl>
+                                          </p:spTgt>
+                                        </p:tgtEl>
+                                        <p:attrNameLst>
+                                          <p:attrName>style.visibility</p:attrName>
+                                        </p:attrNameLst>
+                                      </p:cBhvr>
+                                      <p:to>
+                                        <p:strVal val="visible"/>
+                                      </p:to>
+                                    </p:set>
+                                  </p:childTnLst>
+                                </p:cTn>
+                              </p:par>
+                            </p:childTnLst>
+                          </p:cTn>
+                        </p:par>
+                      </p:childTnLst>
+                    </p:cTn>
+                  </p:par>
+                  <p:par>
+                    <p:cTn id="7" fill="hold">
+                      <p:stCondLst>
+                        <p:cond delay="indefinite"/>
+                      </p:stCondLst>
+                      <p:childTnLst>
+                        <p:par>
+                          <p:cTn id="8" fill="hold">
+                            <p:stCondLst>
+                              <p:cond delay="0"/>
+                            </p:stCondLst>
+                            <p:childTnLst>
+                              <p:par>
+                                <p:cTn id="9" presetID="1" presetClass="entr" presetSubtype="0" fill="hold" nodeType="clickEffect">
+                                  <p:stCondLst>
+                                    <p:cond delay="0"/>
+                                  </p:stCondLst>
+                                  <p:childTnLst>
+                                    <p:set>
+                                      <p:cBhvr>
+                                        <p:cTn id="10" dur="1" fill="hold">
+                                          <p:stCondLst>
+                                            <p:cond delay="0"/>
+                                          </p:stCondLst>
+                                        </p:cTn>
+                                        <p:tgtEl>
+                                          <p:spTgt spid="3">
+                                            <p:txEl>
+                                              <p:pRg st="1" end="1"/>
+                                            </p:txEl>
+                                          </p:spTgt>
+                                        </p:tgtEl>
+                                        <p:attrNameLst>
+                                          <p:attrName>style.visibility</p:attrName>
+                                        </p:attrNameLst>
+                                      </p:cBhvr>
+                                      <p:to>
+                                        <p:strVal val="visible"/>
+                                      </p:to>
+                                    </p:set>
+                                  </p:childTnLst>
+                                </p:cTn>
+                              </p:par>
+                            </p:childTnLst>
+                          </p:cTn>
+                        </p:par>
+                      </p:childTnLst>
+                    </p:cTn>
+                  </p:par>
+                  <p:par>
+                    <p:cTn id="11" fill="hold">
+                      <p:stCondLst>
+                        <p:cond delay="indefinite"/>
+                      </p:stCondLst>
+                      <p:childTnLst>
+                        <p:par>
+                          <p:cTn id="12" fill="hold">
+                            <p:stCondLst>
+                              <p:cond delay="0"/>
+                            </p:stCondLst>
+                            <p:childTnLst>
+                              <p:par>
+                                <p:cTn id="13" presetID="1" presetClass="entr" presetSubtype="0" fill="hold" nodeType="clickEffect">
+                                  <p:stCondLst>
+                                    <p:cond delay="0"/>
+                                  </p:stCondLst>
+                                  <p:childTnLst>
+                                    <p:set>
+                                      <p:cBhvr>
+                                        <p:cTn id="14" dur="1" fill="hold">
+                                          <p:stCondLst>
+                                            <p:cond delay="0"/>
+                                          </p:stCondLst>
+                                        </p:cTn>
+                                        <p:tgtEl>
+                                          <p:spTgt spid="3">
+                                            <p:txEl>
+                                              <p:pRg st="2" end="2"/>
+                                            </p:txEl>
+                                          </p:spTgt>
+                                        </p:tgtEl>
+                                        <p:attrNameLst>
+                                          <p:attrName>style.visibility</p:attrName>
+                                        </p:attrNameLst>
+                                      </p:cBhvr>
+                                      <p:to>
+                                        <p:strVal val="visible"/>
+                                      </p:to>
+                                    </p:set>
+                                  </p:childTnLst>
+                                </p:cTn>
+                              </p:par>
+                            </p:childTnLst>
+                          </p:cTn>
+                        </p:par>
+                      </p:childTnLst>
+                    </p:cTn>
+                  </p:par>
+                  <p:par>
+                    <p:cTn id="15" fill="hold">
+                      <p:stCondLst>
+                        <p:cond delay="indefinite"/>
+                      </p:stCondLst>
+                      <p:childTnLst>
+                        <p:par>
+                          <p:cTn id="16" fill="hold">
+                            <p:stCondLst>
+                              <p:cond delay="0"/>
+                            </p:stCondLst>
+                            <p:childTnLst>
+                              <p:par>
+                                <p:cTn id="17" presetID="1" presetClass="entr" presetSubtype="0" fill="hold" nodeType="clickEffect">
+                                  <p:stCondLst>
+                                    <p:cond delay="0"/>
+                                  </p:stCondLst>
+                                  <p:childTnLst>
+                                    <p:set>
+                                      <p:cBhvr>
+                                        <p:cTn id="18" dur="1" fill="hold">
+                                          <p:stCondLst>
+                                            <p:cond delay="0"/>
+                                          </p:stCondLst>
+                                        </p:cTn>
+                                        <p:tgtEl>
+                                          <p:spTgt spid="3">
+                                            <p:txEl>
+                                              <p:pRg st="3" end="3"/>
+                                            </p:txEl>
+                                          </p:spTgt>
+                                        </p:tgtEl>
+                                        <p:attrNameLst>
+                                          <p:attrName>style.visibility</p:attrName>
+                                        </p:attrNameLst>
+                                      </p:cBhvr>
+                                      <p:to>
+                                        <p:strVal val="visible"/>
+                                      </p:to>
+                                    </p:set>
+                                  </p:childTnLst>
+                                </p:cTn>
+                              </p:par>
+                            </p:childTnLst>
+                          </p:cTn>
+                        </p:par>
+                      </p:childTnLst>
+                    </p:cTn>
+                  </p:par>
+                  <p:par>
+                    <p:cTn id="19" fill="hold">
+                      <p:stCondLst>
+                        <p:cond delay="indefinite"/>
+                      </p:stCondLst>
+                      <p:childTnLst>
+                        <p:par>
+                          <p:cTn id="20" fill="hold">
+                            <p:stCondLst>
+                              <p:cond delay="0"/>
+                            </p:stCondLst>
+                            <p:childTnLst>
+                              <p:par>
+                                <p:cTn id="21" presetID="1" presetClass="entr" presetSubtype="0" fill="hold" nodeType="clickEffect">
+                                  <p:stCondLst>
+                                    <p:cond delay="0"/>
+                                  </p:stCondLst>
+                                  <p:childTnLst>
+                                    <p:set>
+                                      <p:cBhvr>
+                                        <p:cTn id="22" dur="1" fill="hold">
+                                          <p:stCondLst>
+                                            <p:cond delay="0"/>
+                                          </p:stCondLst>
+                                        </p:cTn>
+                                        <p:tgtEl>
+                                          <p:spTgt spid="3">
+                                            <p:txEl>
+                                              <p:pRg st="5" end="5"/>
+                                            </p:txEl>
+                                          </p:spTgt>
+                                        </p:tgtEl>
+                                        <p:attrNameLst>
+                                          <p:attrName>style.visibility</p:attrName>
+                                        </p:attrNameLst>
+                                      </p:cBhvr>
+                                      <p:to>
+                                        <p:strVal val="visible"/>
+                                      </p:to>
+                                    </p:set>
+                                  </p:childTnLst>
+                                </p:cTn>
+                              </p:par>
+                            </p:childTnLst>
+                          </p:cTn>
+                        </p:par>
+                      </p:childTnLst>
+                    </p:cTn>
+                  </p:par>
+                </p:childTnLst>
+              </p:cTn>
+              <p:prevCondLst>
+                <p:cond evt="onPrev" delay="0">
+                  <p:tgtEl>
+                    <p:sldTgt/>
+                  </p:tgtEl>
+                </p:cond>
+              </p:prevCondLst>
+              <p:nextCondLst>
+                <p:cond evt="onNext" delay="0">
+                  <p:tgtEl>
+                    <p:sldTgt/>
+                  </p:tgtEl>
+                </p:cond>
+              </p:nextCondLst>
+            </p:seq>
+          </p:childTnLst>
+        </p:cTn>
+      </p:par>
+    </p:tnLst>
+  </p:timing>
 </p:sld>
 </file>
 
@@ -4474,112 +5362,6 @@
             <a:r>
               <a:rPr lang="en-US" sz="2400" dirty="0"/>
               <a:t>Local Working Directory</a:t>
-            </a:r>
-          </a:p>
-        </p:txBody>
-      </p:sp>
-      <p:sp>
-        <p:nvSpPr>
-          <p:cNvPr id="11" name="Oval 10">
-            <a:extLst>
-              <a:ext uri="{FF2B5EF4-FFF2-40B4-BE49-F238E27FC236}">
-                <a16:creationId xmlns:a16="http://schemas.microsoft.com/office/drawing/2014/main" id="{8C73E2DD-66EE-4FD9-9D45-BCDE00591911}"/>
-              </a:ext>
-            </a:extLst>
-          </p:cNvPr>
-          <p:cNvSpPr/>
-          <p:nvPr/>
-        </p:nvSpPr>
-        <p:spPr>
-          <a:xfrm>
-            <a:off x="3690024" y="941738"/>
-            <a:ext cx="2289667" cy="1603513"/>
-          </a:xfrm>
-          <a:prstGeom prst="ellipse">
-            <a:avLst/>
-          </a:prstGeom>
-        </p:spPr>
-        <p:style>
-          <a:lnRef idx="2">
-            <a:schemeClr val="dk1"/>
-          </a:lnRef>
-          <a:fillRef idx="1">
-            <a:schemeClr val="lt1"/>
-          </a:fillRef>
-          <a:effectRef idx="0">
-            <a:schemeClr val="dk1"/>
-          </a:effectRef>
-          <a:fontRef idx="minor">
-            <a:schemeClr val="dk1"/>
-          </a:fontRef>
-        </p:style>
-        <p:txBody>
-          <a:bodyPr rtlCol="0" anchor="ctr"/>
-          <a:lstStyle/>
-          <a:p>
-            <a:pPr algn="ctr"/>
-            <a:r>
-              <a:rPr lang="en-US" sz="2400" dirty="0"/>
-              <a:t>Staging Area</a:t>
-            </a:r>
-          </a:p>
-        </p:txBody>
-      </p:sp>
-      <p:sp>
-        <p:nvSpPr>
-          <p:cNvPr id="12" name="Oval 11">
-            <a:extLst>
-              <a:ext uri="{FF2B5EF4-FFF2-40B4-BE49-F238E27FC236}">
-                <a16:creationId xmlns:a16="http://schemas.microsoft.com/office/drawing/2014/main" id="{D0A6D61C-5F4E-402D-81FC-EFDC5675AFD8}"/>
-              </a:ext>
-            </a:extLst>
-          </p:cNvPr>
-          <p:cNvSpPr/>
-          <p:nvPr/>
-        </p:nvSpPr>
-        <p:spPr>
-          <a:xfrm>
-            <a:off x="6505404" y="906849"/>
-            <a:ext cx="2289667" cy="1603513"/>
-          </a:xfrm>
-          <a:prstGeom prst="ellipse">
-            <a:avLst/>
-          </a:prstGeom>
-        </p:spPr>
-        <p:style>
-          <a:lnRef idx="2">
-            <a:schemeClr val="dk1"/>
-          </a:lnRef>
-          <a:fillRef idx="1">
-            <a:schemeClr val="lt1"/>
-          </a:fillRef>
-          <a:effectRef idx="0">
-            <a:schemeClr val="dk1"/>
-          </a:effectRef>
-          <a:fontRef idx="minor">
-            <a:schemeClr val="dk1"/>
-          </a:fontRef>
-        </p:style>
-        <p:txBody>
-          <a:bodyPr rtlCol="0" anchor="ctr"/>
-          <a:lstStyle/>
-          <a:p>
-            <a:pPr algn="ctr"/>
-            <a:r>
-              <a:rPr lang="en-US" sz="2400" dirty="0"/>
-              <a:t>Local </a:t>
-            </a:r>
-            <a:r>
-              <a:rPr lang="en-US" sz="2400" dirty="0">
-                <a:latin typeface="Garamond" panose="02020404030301010803" pitchFamily="18" charset="0"/>
-                <a:ea typeface="Batang" panose="020B0503020000020004" pitchFamily="18" charset="-127"/>
-                <a:cs typeface="Calibri Light" panose="020F0302020204030204" pitchFamily="34" charset="0"/>
-              </a:rPr>
-              <a:t>git</a:t>
-            </a:r>
-            <a:r>
-              <a:rPr lang="en-US" sz="2400" dirty="0"/>
-              <a:t> Repository</a:t>
             </a:r>
           </a:p>
         </p:txBody>
@@ -4627,186 +5409,283 @@
           </a:fontRef>
         </p:style>
       </p:cxnSp>
-      <p:sp>
-        <p:nvSpPr>
-          <p:cNvPr id="19" name="Arrow: Right 18">
+      <p:grpSp>
+        <p:nvGrpSpPr>
+          <p:cNvPr id="2" name="Group 1">
             <a:extLst>
               <a:ext uri="{FF2B5EF4-FFF2-40B4-BE49-F238E27FC236}">
-                <a16:creationId xmlns:a16="http://schemas.microsoft.com/office/drawing/2014/main" id="{709FB939-B6A4-4EA5-ABC6-1C1FA45258C6}"/>
+                <a16:creationId xmlns:a16="http://schemas.microsoft.com/office/drawing/2014/main" id="{03C9F083-0ED1-4925-807C-3877303B2712}"/>
               </a:ext>
             </a:extLst>
           </p:cNvPr>
-          <p:cNvSpPr/>
+          <p:cNvGrpSpPr/>
           <p:nvPr/>
-        </p:nvSpPr>
-        <p:spPr>
+        </p:nvGrpSpPr>
+        <p:grpSpPr>
           <a:xfrm>
-            <a:off x="9230685" y="2187196"/>
-            <a:ext cx="2115717" cy="646331"/>
+            <a:off x="3690024" y="941738"/>
+            <a:ext cx="2289667" cy="3663669"/>
+            <a:chOff x="3690024" y="941738"/>
+            <a:chExt cx="2289667" cy="3663669"/>
           </a:xfrm>
-          <a:prstGeom prst="rightArrow">
-            <a:avLst/>
-          </a:prstGeom>
-        </p:spPr>
-        <p:style>
-          <a:lnRef idx="2">
-            <a:schemeClr val="dk1"/>
-          </a:lnRef>
-          <a:fillRef idx="1">
-            <a:schemeClr val="lt1"/>
-          </a:fillRef>
-          <a:effectRef idx="0">
-            <a:schemeClr val="dk1"/>
-          </a:effectRef>
-          <a:fontRef idx="minor">
-            <a:schemeClr val="dk1"/>
-          </a:fontRef>
-        </p:style>
-        <p:txBody>
-          <a:bodyPr rtlCol="0" anchor="ctr"/>
-          <a:lstStyle/>
-          <a:p>
-            <a:pPr algn="ctr"/>
-            <a:r>
-              <a:rPr lang="en-US" b="1" dirty="0"/>
-              <a:t>push</a:t>
-            </a:r>
-            <a:r>
-              <a:rPr lang="en-US" dirty="0"/>
-              <a:t> update</a:t>
-            </a:r>
-          </a:p>
-        </p:txBody>
-      </p:sp>
-      <p:cxnSp>
-        <p:nvCxnSpPr>
-          <p:cNvPr id="21" name="Straight Connector 20">
+        </p:grpSpPr>
+        <p:sp>
+          <p:nvSpPr>
+            <p:cNvPr id="11" name="Oval 10">
+              <a:extLst>
+                <a:ext uri="{FF2B5EF4-FFF2-40B4-BE49-F238E27FC236}">
+                  <a16:creationId xmlns:a16="http://schemas.microsoft.com/office/drawing/2014/main" id="{8C73E2DD-66EE-4FD9-9D45-BCDE00591911}"/>
+                </a:ext>
+              </a:extLst>
+            </p:cNvPr>
+            <p:cNvSpPr/>
+            <p:nvPr/>
+          </p:nvSpPr>
+          <p:spPr>
+            <a:xfrm>
+              <a:off x="3690024" y="941738"/>
+              <a:ext cx="2289667" cy="1603513"/>
+            </a:xfrm>
+            <a:prstGeom prst="ellipse">
+              <a:avLst/>
+            </a:prstGeom>
+          </p:spPr>
+          <p:style>
+            <a:lnRef idx="2">
+              <a:schemeClr val="dk1"/>
+            </a:lnRef>
+            <a:fillRef idx="1">
+              <a:schemeClr val="lt1"/>
+            </a:fillRef>
+            <a:effectRef idx="0">
+              <a:schemeClr val="dk1"/>
+            </a:effectRef>
+            <a:fontRef idx="minor">
+              <a:schemeClr val="dk1"/>
+            </a:fontRef>
+          </p:style>
+          <p:txBody>
+            <a:bodyPr rtlCol="0" anchor="ctr"/>
+            <a:lstStyle/>
+            <a:p>
+              <a:pPr algn="ctr"/>
+              <a:r>
+                <a:rPr lang="en-US" sz="2400" dirty="0"/>
+                <a:t>Staging Area</a:t>
+              </a:r>
+            </a:p>
+          </p:txBody>
+        </p:sp>
+        <p:cxnSp>
+          <p:nvCxnSpPr>
+            <p:cNvPr id="21" name="Straight Connector 20">
+              <a:extLst>
+                <a:ext uri="{FF2B5EF4-FFF2-40B4-BE49-F238E27FC236}">
+                  <a16:creationId xmlns:a16="http://schemas.microsoft.com/office/drawing/2014/main" id="{1E1E59C7-AD93-4F14-B362-9B26C1D0330D}"/>
+                </a:ext>
+              </a:extLst>
+            </p:cNvPr>
+            <p:cNvCxnSpPr>
+              <a:cxnSpLocks/>
+            </p:cNvCxnSpPr>
+            <p:nvPr/>
+          </p:nvCxnSpPr>
+          <p:spPr>
+            <a:xfrm>
+              <a:off x="4795292" y="2544287"/>
+              <a:ext cx="0" cy="2061120"/>
+            </a:xfrm>
+            <a:prstGeom prst="line">
+              <a:avLst/>
+            </a:prstGeom>
+            <a:ln w="28575">
+              <a:solidFill>
+                <a:schemeClr val="tx1"/>
+              </a:solidFill>
+            </a:ln>
+          </p:spPr>
+          <p:style>
+            <a:lnRef idx="1">
+              <a:schemeClr val="accent1"/>
+            </a:lnRef>
+            <a:fillRef idx="0">
+              <a:schemeClr val="accent1"/>
+            </a:fillRef>
+            <a:effectRef idx="0">
+              <a:schemeClr val="accent1"/>
+            </a:effectRef>
+            <a:fontRef idx="minor">
+              <a:schemeClr val="tx1"/>
+            </a:fontRef>
+          </p:style>
+        </p:cxnSp>
+      </p:grpSp>
+      <p:grpSp>
+        <p:nvGrpSpPr>
+          <p:cNvPr id="8" name="Group 7">
             <a:extLst>
               <a:ext uri="{FF2B5EF4-FFF2-40B4-BE49-F238E27FC236}">
-                <a16:creationId xmlns:a16="http://schemas.microsoft.com/office/drawing/2014/main" id="{1E1E59C7-AD93-4F14-B362-9B26C1D0330D}"/>
+                <a16:creationId xmlns:a16="http://schemas.microsoft.com/office/drawing/2014/main" id="{D1719B67-FB12-44B4-90F1-B454E65AA55A}"/>
               </a:ext>
             </a:extLst>
           </p:cNvPr>
-          <p:cNvCxnSpPr>
-            <a:cxnSpLocks/>
-          </p:cNvCxnSpPr>
+          <p:cNvGrpSpPr/>
           <p:nvPr/>
-        </p:nvCxnSpPr>
-        <p:spPr>
+        </p:nvGrpSpPr>
+        <p:grpSpPr>
           <a:xfrm>
-            <a:off x="4795292" y="2544287"/>
-            <a:ext cx="0" cy="2061120"/>
+            <a:off x="6505404" y="906849"/>
+            <a:ext cx="2289667" cy="5843808"/>
+            <a:chOff x="6505404" y="906849"/>
+            <a:chExt cx="2289667" cy="5843808"/>
           </a:xfrm>
-          <a:prstGeom prst="line">
-            <a:avLst/>
-          </a:prstGeom>
-          <a:ln w="28575">
-            <a:solidFill>
+        </p:grpSpPr>
+        <p:sp>
+          <p:nvSpPr>
+            <p:cNvPr id="12" name="Oval 11">
+              <a:extLst>
+                <a:ext uri="{FF2B5EF4-FFF2-40B4-BE49-F238E27FC236}">
+                  <a16:creationId xmlns:a16="http://schemas.microsoft.com/office/drawing/2014/main" id="{D0A6D61C-5F4E-402D-81FC-EFDC5675AFD8}"/>
+                </a:ext>
+              </a:extLst>
+            </p:cNvPr>
+            <p:cNvSpPr/>
+            <p:nvPr/>
+          </p:nvSpPr>
+          <p:spPr>
+            <a:xfrm>
+              <a:off x="6505404" y="906849"/>
+              <a:ext cx="2289667" cy="1603513"/>
+            </a:xfrm>
+            <a:prstGeom prst="ellipse">
+              <a:avLst/>
+            </a:prstGeom>
+          </p:spPr>
+          <p:style>
+            <a:lnRef idx="2">
+              <a:schemeClr val="dk1"/>
+            </a:lnRef>
+            <a:fillRef idx="1">
+              <a:schemeClr val="lt1"/>
+            </a:fillRef>
+            <a:effectRef idx="0">
+              <a:schemeClr val="dk1"/>
+            </a:effectRef>
+            <a:fontRef idx="minor">
+              <a:schemeClr val="dk1"/>
+            </a:fontRef>
+          </p:style>
+          <p:txBody>
+            <a:bodyPr rtlCol="0" anchor="ctr"/>
+            <a:lstStyle/>
+            <a:p>
+              <a:pPr algn="ctr"/>
+              <a:r>
+                <a:rPr lang="en-US" sz="2400" dirty="0"/>
+                <a:t>Local </a:t>
+              </a:r>
+              <a:r>
+                <a:rPr lang="en-US" sz="2400" dirty="0">
+                  <a:latin typeface="Garamond" panose="02020404030301010803" pitchFamily="18" charset="0"/>
+                  <a:ea typeface="Batang" panose="020B0503020000020004" pitchFamily="18" charset="-127"/>
+                  <a:cs typeface="Calibri Light" panose="020F0302020204030204" pitchFamily="34" charset="0"/>
+                </a:rPr>
+                <a:t>git</a:t>
+              </a:r>
+              <a:r>
+                <a:rPr lang="en-US" sz="2400" dirty="0"/>
+                <a:t> Repository</a:t>
+              </a:r>
+            </a:p>
+          </p:txBody>
+        </p:sp>
+        <p:cxnSp>
+          <p:nvCxnSpPr>
+            <p:cNvPr id="22" name="Straight Connector 21">
+              <a:extLst>
+                <a:ext uri="{FF2B5EF4-FFF2-40B4-BE49-F238E27FC236}">
+                  <a16:creationId xmlns:a16="http://schemas.microsoft.com/office/drawing/2014/main" id="{2C26E205-EE77-4C33-9417-0572C5D03489}"/>
+                </a:ext>
+              </a:extLst>
+            </p:cNvPr>
+            <p:cNvCxnSpPr>
+              <a:cxnSpLocks/>
+            </p:cNvCxnSpPr>
+            <p:nvPr/>
+          </p:nvCxnSpPr>
+          <p:spPr>
+            <a:xfrm>
+              <a:off x="7584875" y="2510362"/>
+              <a:ext cx="0" cy="3099863"/>
+            </a:xfrm>
+            <a:prstGeom prst="line">
+              <a:avLst/>
+            </a:prstGeom>
+            <a:ln w="28575">
+              <a:solidFill>
+                <a:schemeClr val="tx1"/>
+              </a:solidFill>
+            </a:ln>
+          </p:spPr>
+          <p:style>
+            <a:lnRef idx="1">
+              <a:schemeClr val="accent1"/>
+            </a:lnRef>
+            <a:fillRef idx="0">
+              <a:schemeClr val="accent1"/>
+            </a:fillRef>
+            <a:effectRef idx="0">
+              <a:schemeClr val="accent1"/>
+            </a:effectRef>
+            <a:fontRef idx="minor">
               <a:schemeClr val="tx1"/>
-            </a:solidFill>
-          </a:ln>
-        </p:spPr>
-        <p:style>
-          <a:lnRef idx="1">
-            <a:schemeClr val="accent1"/>
-          </a:lnRef>
-          <a:fillRef idx="0">
-            <a:schemeClr val="accent1"/>
-          </a:fillRef>
-          <a:effectRef idx="0">
-            <a:schemeClr val="accent1"/>
-          </a:effectRef>
-          <a:fontRef idx="minor">
-            <a:schemeClr val="tx1"/>
-          </a:fontRef>
-        </p:style>
-      </p:cxnSp>
-      <p:cxnSp>
-        <p:nvCxnSpPr>
-          <p:cNvPr id="22" name="Straight Connector 21">
-            <a:extLst>
-              <a:ext uri="{FF2B5EF4-FFF2-40B4-BE49-F238E27FC236}">
-                <a16:creationId xmlns:a16="http://schemas.microsoft.com/office/drawing/2014/main" id="{2C26E205-EE77-4C33-9417-0572C5D03489}"/>
-              </a:ext>
-            </a:extLst>
-          </p:cNvPr>
-          <p:cNvCxnSpPr>
-            <a:cxnSpLocks/>
-          </p:cNvCxnSpPr>
-          <p:nvPr/>
-        </p:nvCxnSpPr>
-        <p:spPr>
-          <a:xfrm>
-            <a:off x="7584875" y="2510362"/>
-            <a:ext cx="0" cy="2061120"/>
-          </a:xfrm>
-          <a:prstGeom prst="line">
-            <a:avLst/>
-          </a:prstGeom>
-          <a:ln w="28575">
-            <a:solidFill>
+            </a:fontRef>
+          </p:style>
+        </p:cxnSp>
+        <p:cxnSp>
+          <p:nvCxnSpPr>
+            <p:cNvPr id="23" name="Straight Connector 22">
+              <a:extLst>
+                <a:ext uri="{FF2B5EF4-FFF2-40B4-BE49-F238E27FC236}">
+                  <a16:creationId xmlns:a16="http://schemas.microsoft.com/office/drawing/2014/main" id="{C025ABA0-7836-427D-84DE-2E8599FB7771}"/>
+                </a:ext>
+              </a:extLst>
+            </p:cNvPr>
+            <p:cNvCxnSpPr>
+              <a:cxnSpLocks/>
+            </p:cNvCxnSpPr>
+            <p:nvPr/>
+          </p:nvCxnSpPr>
+          <p:spPr>
+            <a:xfrm>
+              <a:off x="7584875" y="4951958"/>
+              <a:ext cx="0" cy="1798699"/>
+            </a:xfrm>
+            <a:prstGeom prst="line">
+              <a:avLst/>
+            </a:prstGeom>
+            <a:ln w="28575">
+              <a:solidFill>
+                <a:schemeClr val="tx1"/>
+              </a:solidFill>
+            </a:ln>
+          </p:spPr>
+          <p:style>
+            <a:lnRef idx="1">
+              <a:schemeClr val="accent1"/>
+            </a:lnRef>
+            <a:fillRef idx="0">
+              <a:schemeClr val="accent1"/>
+            </a:fillRef>
+            <a:effectRef idx="0">
+              <a:schemeClr val="accent1"/>
+            </a:effectRef>
+            <a:fontRef idx="minor">
               <a:schemeClr val="tx1"/>
-            </a:solidFill>
-          </a:ln>
-        </p:spPr>
-        <p:style>
-          <a:lnRef idx="1">
-            <a:schemeClr val="accent1"/>
-          </a:lnRef>
-          <a:fillRef idx="0">
-            <a:schemeClr val="accent1"/>
-          </a:fillRef>
-          <a:effectRef idx="0">
-            <a:schemeClr val="accent1"/>
-          </a:effectRef>
-          <a:fontRef idx="minor">
-            <a:schemeClr val="tx1"/>
-          </a:fontRef>
-        </p:style>
-      </p:cxnSp>
-      <p:cxnSp>
-        <p:nvCxnSpPr>
-          <p:cNvPr id="23" name="Straight Connector 22">
-            <a:extLst>
-              <a:ext uri="{FF2B5EF4-FFF2-40B4-BE49-F238E27FC236}">
-                <a16:creationId xmlns:a16="http://schemas.microsoft.com/office/drawing/2014/main" id="{C025ABA0-7836-427D-84DE-2E8599FB7771}"/>
-              </a:ext>
-            </a:extLst>
-          </p:cNvPr>
-          <p:cNvCxnSpPr>
-            <a:cxnSpLocks/>
-          </p:cNvCxnSpPr>
-          <p:nvPr/>
-        </p:nvCxnSpPr>
-        <p:spPr>
-          <a:xfrm>
-            <a:off x="7584875" y="5057974"/>
-            <a:ext cx="0" cy="1692683"/>
-          </a:xfrm>
-          <a:prstGeom prst="line">
-            <a:avLst/>
-          </a:prstGeom>
-          <a:ln w="28575">
-            <a:solidFill>
-              <a:schemeClr val="tx1"/>
-            </a:solidFill>
-          </a:ln>
-        </p:spPr>
-        <p:style>
-          <a:lnRef idx="1">
-            <a:schemeClr val="accent1"/>
-          </a:lnRef>
-          <a:fillRef idx="0">
-            <a:schemeClr val="accent1"/>
-          </a:fillRef>
-          <a:effectRef idx="0">
-            <a:schemeClr val="accent1"/>
-          </a:effectRef>
-          <a:fontRef idx="minor">
-            <a:schemeClr val="tx1"/>
-          </a:fontRef>
-        </p:style>
-      </p:cxnSp>
+            </a:fontRef>
+          </p:style>
+        </p:cxnSp>
+      </p:grpSp>
       <p:sp>
         <p:nvSpPr>
           <p:cNvPr id="7" name="TextBox 6">
@@ -4882,7 +5761,7 @@
         </p:nvSpPr>
         <p:spPr>
           <a:xfrm>
-            <a:off x="6386005" y="4305627"/>
+            <a:off x="6275260" y="4140769"/>
             <a:ext cx="2618912" cy="646331"/>
           </a:xfrm>
           <a:prstGeom prst="rect">
@@ -5063,7 +5942,7 @@
             <a:pPr algn="ctr"/>
             <a:r>
               <a:rPr lang="en-US" b="1" dirty="0"/>
-              <a:t>checkout</a:t>
+              <a:t>checkout/revert to</a:t>
             </a:r>
             <a:r>
               <a:rPr lang="en-US" dirty="0"/>
@@ -5243,6 +6122,414 @@
   <p:clrMapOvr>
     <a:masterClrMapping/>
   </p:clrMapOvr>
+  <p:timing>
+    <p:tnLst>
+      <p:par>
+        <p:cTn id="1" dur="indefinite" restart="never" nodeType="tmRoot">
+          <p:childTnLst>
+            <p:seq concurrent="1" nextAc="seek">
+              <p:cTn id="2" dur="indefinite" nodeType="mainSeq">
+                <p:childTnLst>
+                  <p:par>
+                    <p:cTn id="3" fill="hold">
+                      <p:stCondLst>
+                        <p:cond delay="indefinite"/>
+                      </p:stCondLst>
+                      <p:childTnLst>
+                        <p:par>
+                          <p:cTn id="4" fill="hold">
+                            <p:stCondLst>
+                              <p:cond delay="0"/>
+                            </p:stCondLst>
+                            <p:childTnLst>
+                              <p:par>
+                                <p:cTn id="5" presetID="1" presetClass="entr" presetSubtype="0" fill="hold" nodeType="clickEffect">
+                                  <p:stCondLst>
+                                    <p:cond delay="0"/>
+                                  </p:stCondLst>
+                                  <p:childTnLst>
+                                    <p:set>
+                                      <p:cBhvr>
+                                        <p:cTn id="6" dur="1" fill="hold">
+                                          <p:stCondLst>
+                                            <p:cond delay="0"/>
+                                          </p:stCondLst>
+                                        </p:cTn>
+                                        <p:tgtEl>
+                                          <p:spTgt spid="8"/>
+                                        </p:tgtEl>
+                                        <p:attrNameLst>
+                                          <p:attrName>style.visibility</p:attrName>
+                                        </p:attrNameLst>
+                                      </p:cBhvr>
+                                      <p:to>
+                                        <p:strVal val="visible"/>
+                                      </p:to>
+                                    </p:set>
+                                  </p:childTnLst>
+                                </p:cTn>
+                              </p:par>
+                            </p:childTnLst>
+                          </p:cTn>
+                        </p:par>
+                      </p:childTnLst>
+                    </p:cTn>
+                  </p:par>
+                  <p:par>
+                    <p:cTn id="7" fill="hold">
+                      <p:stCondLst>
+                        <p:cond delay="indefinite"/>
+                      </p:stCondLst>
+                      <p:childTnLst>
+                        <p:par>
+                          <p:cTn id="8" fill="hold">
+                            <p:stCondLst>
+                              <p:cond delay="0"/>
+                            </p:stCondLst>
+                            <p:childTnLst>
+                              <p:par>
+                                <p:cTn id="9" presetID="1" presetClass="entr" presetSubtype="0" fill="hold" nodeType="clickEffect">
+                                  <p:stCondLst>
+                                    <p:cond delay="0"/>
+                                  </p:stCondLst>
+                                  <p:childTnLst>
+                                    <p:set>
+                                      <p:cBhvr>
+                                        <p:cTn id="10" dur="1" fill="hold">
+                                          <p:stCondLst>
+                                            <p:cond delay="0"/>
+                                          </p:stCondLst>
+                                        </p:cTn>
+                                        <p:tgtEl>
+                                          <p:spTgt spid="2"/>
+                                        </p:tgtEl>
+                                        <p:attrNameLst>
+                                          <p:attrName>style.visibility</p:attrName>
+                                        </p:attrNameLst>
+                                      </p:cBhvr>
+                                      <p:to>
+                                        <p:strVal val="visible"/>
+                                      </p:to>
+                                    </p:set>
+                                  </p:childTnLst>
+                                </p:cTn>
+                              </p:par>
+                              <p:par>
+                                <p:cTn id="11" presetID="1" presetClass="entr" presetSubtype="0" fill="hold" grpId="0" nodeType="withEffect">
+                                  <p:stCondLst>
+                                    <p:cond delay="0"/>
+                                  </p:stCondLst>
+                                  <p:childTnLst>
+                                    <p:set>
+                                      <p:cBhvr>
+                                        <p:cTn id="12" dur="1" fill="hold">
+                                          <p:stCondLst>
+                                            <p:cond delay="0"/>
+                                          </p:stCondLst>
+                                        </p:cTn>
+                                        <p:tgtEl>
+                                          <p:spTgt spid="6"/>
+                                        </p:tgtEl>
+                                        <p:attrNameLst>
+                                          <p:attrName>style.visibility</p:attrName>
+                                        </p:attrNameLst>
+                                      </p:cBhvr>
+                                      <p:to>
+                                        <p:strVal val="visible"/>
+                                      </p:to>
+                                    </p:set>
+                                  </p:childTnLst>
+                                </p:cTn>
+                              </p:par>
+                            </p:childTnLst>
+                          </p:cTn>
+                        </p:par>
+                      </p:childTnLst>
+                    </p:cTn>
+                  </p:par>
+                  <p:par>
+                    <p:cTn id="13" fill="hold">
+                      <p:stCondLst>
+                        <p:cond delay="indefinite"/>
+                      </p:stCondLst>
+                      <p:childTnLst>
+                        <p:par>
+                          <p:cTn id="14" fill="hold">
+                            <p:stCondLst>
+                              <p:cond delay="0"/>
+                            </p:stCondLst>
+                            <p:childTnLst>
+                              <p:par>
+                                <p:cTn id="15" presetID="1" presetClass="entr" presetSubtype="0" fill="hold" grpId="0" nodeType="clickEffect">
+                                  <p:stCondLst>
+                                    <p:cond delay="0"/>
+                                  </p:stCondLst>
+                                  <p:childTnLst>
+                                    <p:set>
+                                      <p:cBhvr>
+                                        <p:cTn id="16" dur="1" fill="hold">
+                                          <p:stCondLst>
+                                            <p:cond delay="0"/>
+                                          </p:stCondLst>
+                                        </p:cTn>
+                                        <p:tgtEl>
+                                          <p:spTgt spid="13"/>
+                                        </p:tgtEl>
+                                        <p:attrNameLst>
+                                          <p:attrName>style.visibility</p:attrName>
+                                        </p:attrNameLst>
+                                      </p:cBhvr>
+                                      <p:to>
+                                        <p:strVal val="visible"/>
+                                      </p:to>
+                                    </p:set>
+                                  </p:childTnLst>
+                                </p:cTn>
+                              </p:par>
+                            </p:childTnLst>
+                          </p:cTn>
+                        </p:par>
+                      </p:childTnLst>
+                    </p:cTn>
+                  </p:par>
+                  <p:par>
+                    <p:cTn id="17" fill="hold">
+                      <p:stCondLst>
+                        <p:cond delay="indefinite"/>
+                      </p:stCondLst>
+                      <p:childTnLst>
+                        <p:par>
+                          <p:cTn id="18" fill="hold">
+                            <p:stCondLst>
+                              <p:cond delay="0"/>
+                            </p:stCondLst>
+                            <p:childTnLst>
+                              <p:par>
+                                <p:cTn id="19" presetID="1" presetClass="entr" presetSubtype="0" fill="hold" grpId="0" nodeType="clickEffect">
+                                  <p:stCondLst>
+                                    <p:cond delay="0"/>
+                                  </p:stCondLst>
+                                  <p:childTnLst>
+                                    <p:set>
+                                      <p:cBhvr>
+                                        <p:cTn id="20" dur="1" fill="hold">
+                                          <p:stCondLst>
+                                            <p:cond delay="0"/>
+                                          </p:stCondLst>
+                                        </p:cTn>
+                                        <p:tgtEl>
+                                          <p:spTgt spid="14"/>
+                                        </p:tgtEl>
+                                        <p:attrNameLst>
+                                          <p:attrName>style.visibility</p:attrName>
+                                        </p:attrNameLst>
+                                      </p:cBhvr>
+                                      <p:to>
+                                        <p:strVal val="visible"/>
+                                      </p:to>
+                                    </p:set>
+                                  </p:childTnLst>
+                                </p:cTn>
+                              </p:par>
+                              <p:par>
+                                <p:cTn id="21" presetID="1" presetClass="entr" presetSubtype="0" fill="hold" grpId="0" nodeType="withEffect">
+                                  <p:stCondLst>
+                                    <p:cond delay="0"/>
+                                  </p:stCondLst>
+                                  <p:childTnLst>
+                                    <p:set>
+                                      <p:cBhvr>
+                                        <p:cTn id="22" dur="1" fill="hold">
+                                          <p:stCondLst>
+                                            <p:cond delay="0"/>
+                                          </p:stCondLst>
+                                        </p:cTn>
+                                        <p:tgtEl>
+                                          <p:spTgt spid="7"/>
+                                        </p:tgtEl>
+                                        <p:attrNameLst>
+                                          <p:attrName>style.visibility</p:attrName>
+                                        </p:attrNameLst>
+                                      </p:cBhvr>
+                                      <p:to>
+                                        <p:strVal val="visible"/>
+                                      </p:to>
+                                    </p:set>
+                                  </p:childTnLst>
+                                </p:cTn>
+                              </p:par>
+                            </p:childTnLst>
+                          </p:cTn>
+                        </p:par>
+                      </p:childTnLst>
+                    </p:cTn>
+                  </p:par>
+                  <p:par>
+                    <p:cTn id="23" fill="hold">
+                      <p:stCondLst>
+                        <p:cond delay="indefinite"/>
+                      </p:stCondLst>
+                      <p:childTnLst>
+                        <p:par>
+                          <p:cTn id="24" fill="hold">
+                            <p:stCondLst>
+                              <p:cond delay="0"/>
+                            </p:stCondLst>
+                            <p:childTnLst>
+                              <p:par>
+                                <p:cTn id="25" presetID="1" presetClass="entr" presetSubtype="0" fill="hold" grpId="0" nodeType="clickEffect">
+                                  <p:stCondLst>
+                                    <p:cond delay="0"/>
+                                  </p:stCondLst>
+                                  <p:childTnLst>
+                                    <p:set>
+                                      <p:cBhvr>
+                                        <p:cTn id="26" dur="1" fill="hold">
+                                          <p:stCondLst>
+                                            <p:cond delay="0"/>
+                                          </p:stCondLst>
+                                        </p:cTn>
+                                        <p:tgtEl>
+                                          <p:spTgt spid="9"/>
+                                        </p:tgtEl>
+                                        <p:attrNameLst>
+                                          <p:attrName>style.visibility</p:attrName>
+                                        </p:attrNameLst>
+                                      </p:cBhvr>
+                                      <p:to>
+                                        <p:strVal val="visible"/>
+                                      </p:to>
+                                    </p:set>
+                                  </p:childTnLst>
+                                </p:cTn>
+                              </p:par>
+                            </p:childTnLst>
+                          </p:cTn>
+                        </p:par>
+                      </p:childTnLst>
+                    </p:cTn>
+                  </p:par>
+                  <p:par>
+                    <p:cTn id="27" fill="hold">
+                      <p:stCondLst>
+                        <p:cond delay="indefinite"/>
+                      </p:stCondLst>
+                      <p:childTnLst>
+                        <p:par>
+                          <p:cTn id="28" fill="hold">
+                            <p:stCondLst>
+                              <p:cond delay="0"/>
+                            </p:stCondLst>
+                            <p:childTnLst>
+                              <p:par>
+                                <p:cTn id="29" presetID="1" presetClass="entr" presetSubtype="0" fill="hold" grpId="0" nodeType="clickEffect">
+                                  <p:stCondLst>
+                                    <p:cond delay="0"/>
+                                  </p:stCondLst>
+                                  <p:childTnLst>
+                                    <p:set>
+                                      <p:cBhvr>
+                                        <p:cTn id="30" dur="1" fill="hold">
+                                          <p:stCondLst>
+                                            <p:cond delay="0"/>
+                                          </p:stCondLst>
+                                        </p:cTn>
+                                        <p:tgtEl>
+                                          <p:spTgt spid="33"/>
+                                        </p:tgtEl>
+                                        <p:attrNameLst>
+                                          <p:attrName>style.visibility</p:attrName>
+                                        </p:attrNameLst>
+                                      </p:cBhvr>
+                                      <p:to>
+                                        <p:strVal val="visible"/>
+                                      </p:to>
+                                    </p:set>
+                                  </p:childTnLst>
+                                </p:cTn>
+                              </p:par>
+                            </p:childTnLst>
+                          </p:cTn>
+                        </p:par>
+                      </p:childTnLst>
+                    </p:cTn>
+                  </p:par>
+                  <p:par>
+                    <p:cTn id="31" fill="hold">
+                      <p:stCondLst>
+                        <p:cond delay="indefinite"/>
+                      </p:stCondLst>
+                      <p:childTnLst>
+                        <p:par>
+                          <p:cTn id="32" fill="hold">
+                            <p:stCondLst>
+                              <p:cond delay="0"/>
+                            </p:stCondLst>
+                            <p:childTnLst>
+                              <p:par>
+                                <p:cTn id="33" presetID="1" presetClass="entr" presetSubtype="0" fill="hold" grpId="0" nodeType="clickEffect">
+                                  <p:stCondLst>
+                                    <p:cond delay="0"/>
+                                  </p:stCondLst>
+                                  <p:childTnLst>
+                                    <p:set>
+                                      <p:cBhvr>
+                                        <p:cTn id="34" dur="1" fill="hold">
+                                          <p:stCondLst>
+                                            <p:cond delay="0"/>
+                                          </p:stCondLst>
+                                        </p:cTn>
+                                        <p:tgtEl>
+                                          <p:spTgt spid="36"/>
+                                        </p:tgtEl>
+                                        <p:attrNameLst>
+                                          <p:attrName>style.visibility</p:attrName>
+                                        </p:attrNameLst>
+                                      </p:cBhvr>
+                                      <p:to>
+                                        <p:strVal val="visible"/>
+                                      </p:to>
+                                    </p:set>
+                                  </p:childTnLst>
+                                </p:cTn>
+                              </p:par>
+                            </p:childTnLst>
+                          </p:cTn>
+                        </p:par>
+                      </p:childTnLst>
+                    </p:cTn>
+                  </p:par>
+                </p:childTnLst>
+              </p:cTn>
+              <p:prevCondLst>
+                <p:cond evt="onPrev" delay="0">
+                  <p:tgtEl>
+                    <p:sldTgt/>
+                  </p:tgtEl>
+                </p:cond>
+              </p:prevCondLst>
+              <p:nextCondLst>
+                <p:cond evt="onNext" delay="0">
+                  <p:tgtEl>
+                    <p:sldTgt/>
+                  </p:tgtEl>
+                </p:cond>
+              </p:nextCondLst>
+            </p:seq>
+          </p:childTnLst>
+        </p:cTn>
+      </p:par>
+    </p:tnLst>
+    <p:bldLst>
+      <p:bldP spid="7" grpId="0" animBg="1"/>
+      <p:bldP spid="9" grpId="0" animBg="1"/>
+      <p:bldP spid="6" grpId="0" animBg="1"/>
+      <p:bldP spid="33" grpId="0" animBg="1"/>
+      <p:bldP spid="36" grpId="0" animBg="1"/>
+      <p:bldP spid="13" grpId="0" animBg="1"/>
+      <p:bldP spid="14" grpId="0" animBg="1"/>
+    </p:bldLst>
+  </p:timing>
 </p:sld>
 </file>
 
@@ -5504,6 +6791,196 @@
   <p:clrMapOvr>
     <a:masterClrMapping/>
   </p:clrMapOvr>
+  <p:timing>
+    <p:tnLst>
+      <p:par>
+        <p:cTn id="1" dur="indefinite" restart="never" nodeType="tmRoot">
+          <p:childTnLst>
+            <p:seq concurrent="1" nextAc="seek">
+              <p:cTn id="2" dur="indefinite" nodeType="mainSeq">
+                <p:childTnLst>
+                  <p:par>
+                    <p:cTn id="3" fill="hold">
+                      <p:stCondLst>
+                        <p:cond delay="indefinite"/>
+                      </p:stCondLst>
+                      <p:childTnLst>
+                        <p:par>
+                          <p:cTn id="4" fill="hold">
+                            <p:stCondLst>
+                              <p:cond delay="0"/>
+                            </p:stCondLst>
+                            <p:childTnLst>
+                              <p:par>
+                                <p:cTn id="5" presetID="1" presetClass="entr" presetSubtype="0" fill="hold" nodeType="clickEffect">
+                                  <p:stCondLst>
+                                    <p:cond delay="0"/>
+                                  </p:stCondLst>
+                                  <p:childTnLst>
+                                    <p:set>
+                                      <p:cBhvr>
+                                        <p:cTn id="6" dur="1" fill="hold">
+                                          <p:stCondLst>
+                                            <p:cond delay="0"/>
+                                          </p:stCondLst>
+                                        </p:cTn>
+                                        <p:tgtEl>
+                                          <p:spTgt spid="3">
+                                            <p:txEl>
+                                              <p:pRg st="7" end="7"/>
+                                            </p:txEl>
+                                          </p:spTgt>
+                                        </p:tgtEl>
+                                        <p:attrNameLst>
+                                          <p:attrName>style.visibility</p:attrName>
+                                        </p:attrNameLst>
+                                      </p:cBhvr>
+                                      <p:to>
+                                        <p:strVal val="visible"/>
+                                      </p:to>
+                                    </p:set>
+                                  </p:childTnLst>
+                                </p:cTn>
+                              </p:par>
+                              <p:par>
+                                <p:cTn id="7" presetID="1" presetClass="entr" presetSubtype="0" fill="hold" nodeType="withEffect">
+                                  <p:stCondLst>
+                                    <p:cond delay="0"/>
+                                  </p:stCondLst>
+                                  <p:childTnLst>
+                                    <p:set>
+                                      <p:cBhvr>
+                                        <p:cTn id="8" dur="1" fill="hold">
+                                          <p:stCondLst>
+                                            <p:cond delay="0"/>
+                                          </p:stCondLst>
+                                        </p:cTn>
+                                        <p:tgtEl>
+                                          <p:spTgt spid="3">
+                                            <p:txEl>
+                                              <p:pRg st="8" end="8"/>
+                                            </p:txEl>
+                                          </p:spTgt>
+                                        </p:tgtEl>
+                                        <p:attrNameLst>
+                                          <p:attrName>style.visibility</p:attrName>
+                                        </p:attrNameLst>
+                                      </p:cBhvr>
+                                      <p:to>
+                                        <p:strVal val="visible"/>
+                                      </p:to>
+                                    </p:set>
+                                  </p:childTnLst>
+                                </p:cTn>
+                              </p:par>
+                              <p:par>
+                                <p:cTn id="9" presetID="1" presetClass="entr" presetSubtype="0" fill="hold" nodeType="withEffect">
+                                  <p:stCondLst>
+                                    <p:cond delay="0"/>
+                                  </p:stCondLst>
+                                  <p:childTnLst>
+                                    <p:set>
+                                      <p:cBhvr>
+                                        <p:cTn id="10" dur="1" fill="hold">
+                                          <p:stCondLst>
+                                            <p:cond delay="0"/>
+                                          </p:stCondLst>
+                                        </p:cTn>
+                                        <p:tgtEl>
+                                          <p:spTgt spid="3">
+                                            <p:txEl>
+                                              <p:pRg st="9" end="9"/>
+                                            </p:txEl>
+                                          </p:spTgt>
+                                        </p:tgtEl>
+                                        <p:attrNameLst>
+                                          <p:attrName>style.visibility</p:attrName>
+                                        </p:attrNameLst>
+                                      </p:cBhvr>
+                                      <p:to>
+                                        <p:strVal val="visible"/>
+                                      </p:to>
+                                    </p:set>
+                                  </p:childTnLst>
+                                </p:cTn>
+                              </p:par>
+                            </p:childTnLst>
+                          </p:cTn>
+                        </p:par>
+                      </p:childTnLst>
+                    </p:cTn>
+                  </p:par>
+                  <p:par>
+                    <p:cTn id="11" fill="hold">
+                      <p:stCondLst>
+                        <p:cond delay="indefinite"/>
+                      </p:stCondLst>
+                      <p:childTnLst>
+                        <p:par>
+                          <p:cTn id="12" fill="hold">
+                            <p:stCondLst>
+                              <p:cond delay="0"/>
+                            </p:stCondLst>
+                            <p:childTnLst>
+                              <p:par>
+                                <p:cTn id="13" presetID="1" presetClass="entr" presetSubtype="0" fill="hold" nodeType="clickEffect">
+                                  <p:stCondLst>
+                                    <p:cond delay="0"/>
+                                  </p:stCondLst>
+                                  <p:childTnLst>
+                                    <p:set>
+                                      <p:cBhvr>
+                                        <p:cTn id="14" dur="1" fill="hold">
+                                          <p:stCondLst>
+                                            <p:cond delay="0"/>
+                                          </p:stCondLst>
+                                        </p:cTn>
+                                        <p:tgtEl>
+                                          <p:spTgt spid="3">
+                                            <p:txEl>
+                                              <p:pRg st="11" end="11"/>
+                                            </p:txEl>
+                                          </p:spTgt>
+                                        </p:tgtEl>
+                                        <p:attrNameLst>
+                                          <p:attrName>style.visibility</p:attrName>
+                                        </p:attrNameLst>
+                                      </p:cBhvr>
+                                      <p:to>
+                                        <p:strVal val="visible"/>
+                                      </p:to>
+                                    </p:set>
+                                  </p:childTnLst>
+                                </p:cTn>
+                              </p:par>
+                            </p:childTnLst>
+                          </p:cTn>
+                        </p:par>
+                      </p:childTnLst>
+                    </p:cTn>
+                  </p:par>
+                </p:childTnLst>
+              </p:cTn>
+              <p:prevCondLst>
+                <p:cond evt="onPrev" delay="0">
+                  <p:tgtEl>
+                    <p:sldTgt/>
+                  </p:tgtEl>
+                </p:cond>
+              </p:prevCondLst>
+              <p:nextCondLst>
+                <p:cond evt="onNext" delay="0">
+                  <p:tgtEl>
+                    <p:sldTgt/>
+                  </p:tgtEl>
+                </p:cond>
+              </p:nextCondLst>
+            </p:seq>
+          </p:childTnLst>
+        </p:cTn>
+      </p:par>
+    </p:tnLst>
+  </p:timing>
 </p:sld>
 </file>
 
@@ -5526,6 +7003,1388 @@
       </p:grpSpPr>
       <p:sp>
         <p:nvSpPr>
+          <p:cNvPr id="5" name="Title 1">
+            <a:extLst>
+              <a:ext uri="{FF2B5EF4-FFF2-40B4-BE49-F238E27FC236}">
+                <a16:creationId xmlns:a16="http://schemas.microsoft.com/office/drawing/2014/main" id="{3277C63A-03FE-45B1-A817-657C19CAC96D}"/>
+              </a:ext>
+            </a:extLst>
+          </p:cNvPr>
+          <p:cNvSpPr>
+            <a:spLocks noGrp="1"/>
+          </p:cNvSpPr>
+          <p:nvPr>
+            <p:ph type="title"/>
+          </p:nvPr>
+        </p:nvSpPr>
+        <p:spPr>
+          <a:xfrm>
+            <a:off x="628649" y="116551"/>
+            <a:ext cx="7886700" cy="691317"/>
+          </a:xfrm>
+        </p:spPr>
+        <p:txBody>
+          <a:bodyPr>
+            <a:normAutofit fontScale="90000"/>
+          </a:bodyPr>
+          <a:lstStyle/>
+          <a:p>
+            <a:r>
+              <a:rPr lang="en-US" dirty="0">
+                <a:latin typeface="Garamond" panose="02020404030301010803" pitchFamily="18" charset="0"/>
+                <a:ea typeface="Batang" panose="020B0503020000020004" pitchFamily="18" charset="-127"/>
+                <a:cs typeface="Calibri Light" panose="020F0302020204030204" pitchFamily="34" charset="0"/>
+              </a:rPr>
+              <a:t>git</a:t>
+            </a:r>
+            <a:r>
+              <a:rPr lang="en-US" dirty="0"/>
+              <a:t> workflow with GitHub</a:t>
+            </a:r>
+          </a:p>
+        </p:txBody>
+      </p:sp>
+      <p:sp>
+        <p:nvSpPr>
+          <p:cNvPr id="10" name="Oval 9">
+            <a:extLst>
+              <a:ext uri="{FF2B5EF4-FFF2-40B4-BE49-F238E27FC236}">
+                <a16:creationId xmlns:a16="http://schemas.microsoft.com/office/drawing/2014/main" id="{E5D0B961-E4D7-45CB-8612-221FE8A2AC14}"/>
+              </a:ext>
+            </a:extLst>
+          </p:cNvPr>
+          <p:cNvSpPr/>
+          <p:nvPr/>
+        </p:nvSpPr>
+        <p:spPr>
+          <a:xfrm>
+            <a:off x="106015" y="1247470"/>
+            <a:ext cx="1914573" cy="1340825"/>
+          </a:xfrm>
+          <a:prstGeom prst="ellipse">
+            <a:avLst/>
+          </a:prstGeom>
+        </p:spPr>
+        <p:style>
+          <a:lnRef idx="2">
+            <a:schemeClr val="dk1"/>
+          </a:lnRef>
+          <a:fillRef idx="1">
+            <a:schemeClr val="lt1"/>
+          </a:fillRef>
+          <a:effectRef idx="0">
+            <a:schemeClr val="dk1"/>
+          </a:effectRef>
+          <a:fontRef idx="minor">
+            <a:schemeClr val="dk1"/>
+          </a:fontRef>
+        </p:style>
+        <p:txBody>
+          <a:bodyPr rtlCol="0" anchor="ctr"/>
+          <a:lstStyle/>
+          <a:p>
+            <a:pPr algn="ctr"/>
+            <a:r>
+              <a:rPr lang="en-US" sz="2000" dirty="0"/>
+              <a:t>Local Working Directory</a:t>
+            </a:r>
+          </a:p>
+        </p:txBody>
+      </p:sp>
+      <p:sp>
+        <p:nvSpPr>
+          <p:cNvPr id="11" name="Oval 10">
+            <a:extLst>
+              <a:ext uri="{FF2B5EF4-FFF2-40B4-BE49-F238E27FC236}">
+                <a16:creationId xmlns:a16="http://schemas.microsoft.com/office/drawing/2014/main" id="{8C73E2DD-66EE-4FD9-9D45-BCDE00591911}"/>
+              </a:ext>
+            </a:extLst>
+          </p:cNvPr>
+          <p:cNvSpPr/>
+          <p:nvPr/>
+        </p:nvSpPr>
+        <p:spPr>
+          <a:xfrm>
+            <a:off x="2460178" y="1218545"/>
+            <a:ext cx="1914573" cy="1340825"/>
+          </a:xfrm>
+          <a:prstGeom prst="ellipse">
+            <a:avLst/>
+          </a:prstGeom>
+        </p:spPr>
+        <p:style>
+          <a:lnRef idx="2">
+            <a:schemeClr val="dk1"/>
+          </a:lnRef>
+          <a:fillRef idx="1">
+            <a:schemeClr val="lt1"/>
+          </a:fillRef>
+          <a:effectRef idx="0">
+            <a:schemeClr val="dk1"/>
+          </a:effectRef>
+          <a:fontRef idx="minor">
+            <a:schemeClr val="dk1"/>
+          </a:fontRef>
+        </p:style>
+        <p:txBody>
+          <a:bodyPr rtlCol="0" anchor="ctr"/>
+          <a:lstStyle/>
+          <a:p>
+            <a:pPr algn="ctr"/>
+            <a:r>
+              <a:rPr lang="en-US" sz="2000" dirty="0"/>
+              <a:t>Staging Area</a:t>
+            </a:r>
+          </a:p>
+        </p:txBody>
+      </p:sp>
+      <p:sp>
+        <p:nvSpPr>
+          <p:cNvPr id="12" name="Oval 11">
+            <a:extLst>
+              <a:ext uri="{FF2B5EF4-FFF2-40B4-BE49-F238E27FC236}">
+                <a16:creationId xmlns:a16="http://schemas.microsoft.com/office/drawing/2014/main" id="{D0A6D61C-5F4E-402D-81FC-EFDC5675AFD8}"/>
+              </a:ext>
+            </a:extLst>
+          </p:cNvPr>
+          <p:cNvSpPr/>
+          <p:nvPr/>
+        </p:nvSpPr>
+        <p:spPr>
+          <a:xfrm>
+            <a:off x="4814341" y="1189372"/>
+            <a:ext cx="1914573" cy="1340825"/>
+          </a:xfrm>
+          <a:prstGeom prst="ellipse">
+            <a:avLst/>
+          </a:prstGeom>
+        </p:spPr>
+        <p:style>
+          <a:lnRef idx="2">
+            <a:schemeClr val="dk1"/>
+          </a:lnRef>
+          <a:fillRef idx="1">
+            <a:schemeClr val="lt1"/>
+          </a:fillRef>
+          <a:effectRef idx="0">
+            <a:schemeClr val="dk1"/>
+          </a:effectRef>
+          <a:fontRef idx="minor">
+            <a:schemeClr val="dk1"/>
+          </a:fontRef>
+        </p:style>
+        <p:txBody>
+          <a:bodyPr rtlCol="0" anchor="ctr"/>
+          <a:lstStyle/>
+          <a:p>
+            <a:pPr algn="ctr"/>
+            <a:r>
+              <a:rPr lang="en-US" sz="2000" dirty="0"/>
+              <a:t>Local </a:t>
+            </a:r>
+            <a:r>
+              <a:rPr lang="en-US" sz="2000" dirty="0">
+                <a:latin typeface="Garamond" panose="02020404030301010803" pitchFamily="18" charset="0"/>
+                <a:ea typeface="Batang" panose="020B0503020000020004" pitchFamily="18" charset="-127"/>
+                <a:cs typeface="Calibri Light" panose="020F0302020204030204" pitchFamily="34" charset="0"/>
+              </a:rPr>
+              <a:t>git</a:t>
+            </a:r>
+            <a:r>
+              <a:rPr lang="en-US" sz="2000" dirty="0"/>
+              <a:t> Repository</a:t>
+            </a:r>
+          </a:p>
+        </p:txBody>
+      </p:sp>
+      <p:cxnSp>
+        <p:nvCxnSpPr>
+          <p:cNvPr id="16" name="Straight Connector 15">
+            <a:extLst>
+              <a:ext uri="{FF2B5EF4-FFF2-40B4-BE49-F238E27FC236}">
+                <a16:creationId xmlns:a16="http://schemas.microsoft.com/office/drawing/2014/main" id="{821239BE-3D77-4D31-9D03-4085DB273BA4}"/>
+              </a:ext>
+            </a:extLst>
+          </p:cNvPr>
+          <p:cNvCxnSpPr>
+            <a:cxnSpLocks/>
+          </p:cNvCxnSpPr>
+          <p:nvPr/>
+        </p:nvCxnSpPr>
+        <p:spPr>
+          <a:xfrm>
+            <a:off x="963139" y="2588294"/>
+            <a:ext cx="0" cy="3487550"/>
+          </a:xfrm>
+          <a:prstGeom prst="line">
+            <a:avLst/>
+          </a:prstGeom>
+          <a:ln w="28575">
+            <a:solidFill>
+              <a:schemeClr val="tx1"/>
+            </a:solidFill>
+          </a:ln>
+        </p:spPr>
+        <p:style>
+          <a:lnRef idx="1">
+            <a:schemeClr val="accent1"/>
+          </a:lnRef>
+          <a:fillRef idx="0">
+            <a:schemeClr val="accent1"/>
+          </a:fillRef>
+          <a:effectRef idx="0">
+            <a:schemeClr val="accent1"/>
+          </a:effectRef>
+          <a:fontRef idx="minor">
+            <a:schemeClr val="tx1"/>
+          </a:fontRef>
+        </p:style>
+      </p:cxnSp>
+      <p:cxnSp>
+        <p:nvCxnSpPr>
+          <p:cNvPr id="21" name="Straight Connector 20">
+            <a:extLst>
+              <a:ext uri="{FF2B5EF4-FFF2-40B4-BE49-F238E27FC236}">
+                <a16:creationId xmlns:a16="http://schemas.microsoft.com/office/drawing/2014/main" id="{1E1E59C7-AD93-4F14-B362-9B26C1D0330D}"/>
+              </a:ext>
+            </a:extLst>
+          </p:cNvPr>
+          <p:cNvCxnSpPr>
+            <a:cxnSpLocks/>
+          </p:cNvCxnSpPr>
+          <p:nvPr/>
+        </p:nvCxnSpPr>
+        <p:spPr>
+          <a:xfrm>
+            <a:off x="3384381" y="2558564"/>
+            <a:ext cx="0" cy="1723466"/>
+          </a:xfrm>
+          <a:prstGeom prst="line">
+            <a:avLst/>
+          </a:prstGeom>
+          <a:ln w="28575">
+            <a:solidFill>
+              <a:schemeClr val="tx1"/>
+            </a:solidFill>
+          </a:ln>
+        </p:spPr>
+        <p:style>
+          <a:lnRef idx="1">
+            <a:schemeClr val="accent1"/>
+          </a:lnRef>
+          <a:fillRef idx="0">
+            <a:schemeClr val="accent1"/>
+          </a:fillRef>
+          <a:effectRef idx="0">
+            <a:schemeClr val="accent1"/>
+          </a:effectRef>
+          <a:fontRef idx="minor">
+            <a:schemeClr val="tx1"/>
+          </a:fontRef>
+        </p:style>
+      </p:cxnSp>
+      <p:cxnSp>
+        <p:nvCxnSpPr>
+          <p:cNvPr id="22" name="Straight Connector 21">
+            <a:extLst>
+              <a:ext uri="{FF2B5EF4-FFF2-40B4-BE49-F238E27FC236}">
+                <a16:creationId xmlns:a16="http://schemas.microsoft.com/office/drawing/2014/main" id="{2C26E205-EE77-4C33-9417-0572C5D03489}"/>
+              </a:ext>
+            </a:extLst>
+          </p:cNvPr>
+          <p:cNvCxnSpPr>
+            <a:cxnSpLocks/>
+          </p:cNvCxnSpPr>
+          <p:nvPr/>
+        </p:nvCxnSpPr>
+        <p:spPr>
+          <a:xfrm>
+            <a:off x="5716973" y="2530197"/>
+            <a:ext cx="0" cy="1723466"/>
+          </a:xfrm>
+          <a:prstGeom prst="line">
+            <a:avLst/>
+          </a:prstGeom>
+          <a:ln w="28575">
+            <a:solidFill>
+              <a:schemeClr val="tx1"/>
+            </a:solidFill>
+          </a:ln>
+        </p:spPr>
+        <p:style>
+          <a:lnRef idx="1">
+            <a:schemeClr val="accent1"/>
+          </a:lnRef>
+          <a:fillRef idx="0">
+            <a:schemeClr val="accent1"/>
+          </a:fillRef>
+          <a:effectRef idx="0">
+            <a:schemeClr val="accent1"/>
+          </a:effectRef>
+          <a:fontRef idx="minor">
+            <a:schemeClr val="tx1"/>
+          </a:fontRef>
+        </p:style>
+      </p:cxnSp>
+      <p:cxnSp>
+        <p:nvCxnSpPr>
+          <p:cNvPr id="23" name="Straight Connector 22">
+            <a:extLst>
+              <a:ext uri="{FF2B5EF4-FFF2-40B4-BE49-F238E27FC236}">
+                <a16:creationId xmlns:a16="http://schemas.microsoft.com/office/drawing/2014/main" id="{C025ABA0-7836-427D-84DE-2E8599FB7771}"/>
+              </a:ext>
+            </a:extLst>
+          </p:cNvPr>
+          <p:cNvCxnSpPr>
+            <a:cxnSpLocks/>
+          </p:cNvCxnSpPr>
+          <p:nvPr/>
+        </p:nvCxnSpPr>
+        <p:spPr>
+          <a:xfrm>
+            <a:off x="5716973" y="4660458"/>
+            <a:ext cx="0" cy="2197542"/>
+          </a:xfrm>
+          <a:prstGeom prst="line">
+            <a:avLst/>
+          </a:prstGeom>
+          <a:ln w="28575">
+            <a:solidFill>
+              <a:schemeClr val="tx1"/>
+            </a:solidFill>
+          </a:ln>
+        </p:spPr>
+        <p:style>
+          <a:lnRef idx="1">
+            <a:schemeClr val="accent1"/>
+          </a:lnRef>
+          <a:fillRef idx="0">
+            <a:schemeClr val="accent1"/>
+          </a:fillRef>
+          <a:effectRef idx="0">
+            <a:schemeClr val="accent1"/>
+          </a:effectRef>
+          <a:fontRef idx="minor">
+            <a:schemeClr val="tx1"/>
+          </a:fontRef>
+        </p:style>
+      </p:cxnSp>
+      <p:sp>
+        <p:nvSpPr>
+          <p:cNvPr id="7" name="TextBox 6">
+            <a:extLst>
+              <a:ext uri="{FF2B5EF4-FFF2-40B4-BE49-F238E27FC236}">
+                <a16:creationId xmlns:a16="http://schemas.microsoft.com/office/drawing/2014/main" id="{0D7D410E-7217-4281-A8C0-FA4D4594D686}"/>
+              </a:ext>
+            </a:extLst>
+          </p:cNvPr>
+          <p:cNvSpPr txBox="1"/>
+          <p:nvPr/>
+        </p:nvSpPr>
+        <p:spPr>
+          <a:xfrm>
+            <a:off x="4539033" y="4933524"/>
+            <a:ext cx="2189881" cy="540449"/>
+          </a:xfrm>
+          <a:prstGeom prst="rect">
+            <a:avLst/>
+          </a:prstGeom>
+          <a:ln w="28575"/>
+        </p:spPr>
+        <p:style>
+          <a:lnRef idx="2">
+            <a:schemeClr val="dk1"/>
+          </a:lnRef>
+          <a:fillRef idx="1">
+            <a:schemeClr val="lt1"/>
+          </a:fillRef>
+          <a:effectRef idx="0">
+            <a:schemeClr val="dk1"/>
+          </a:effectRef>
+          <a:fontRef idx="minor">
+            <a:schemeClr val="dk1"/>
+          </a:fontRef>
+        </p:style>
+        <p:txBody>
+          <a:bodyPr wrap="square" rtlCol="0">
+            <a:spAutoFit/>
+          </a:bodyPr>
+          <a:lstStyle/>
+          <a:p>
+            <a:r>
+              <a:rPr lang="en-US" sz="1400" dirty="0"/>
+              <a:t>Commit, add, and remove changes </a:t>
+            </a:r>
+            <a:r>
+              <a:rPr lang="en-US" sz="1400" dirty="0">
+                <a:latin typeface="Garamond" panose="02020404030301010803" pitchFamily="18" charset="0"/>
+                <a:ea typeface="Batang" panose="020B0503020000020004" pitchFamily="18" charset="-127"/>
+                <a:cs typeface="Calibri Light" panose="020F0302020204030204" pitchFamily="34" charset="0"/>
+              </a:rPr>
+              <a:t>git</a:t>
+            </a:r>
+            <a:r>
+              <a:rPr lang="en-US" sz="1400" dirty="0"/>
+              <a:t> repository.</a:t>
+            </a:r>
+          </a:p>
+        </p:txBody>
+      </p:sp>
+      <p:sp>
+        <p:nvSpPr>
+          <p:cNvPr id="9" name="TextBox 8">
+            <a:extLst>
+              <a:ext uri="{FF2B5EF4-FFF2-40B4-BE49-F238E27FC236}">
+                <a16:creationId xmlns:a16="http://schemas.microsoft.com/office/drawing/2014/main" id="{29E42E53-4F5C-4391-9F2F-0C3651F1656D}"/>
+              </a:ext>
+            </a:extLst>
+          </p:cNvPr>
+          <p:cNvSpPr txBox="1"/>
+          <p:nvPr/>
+        </p:nvSpPr>
+        <p:spPr>
+          <a:xfrm>
+            <a:off x="4714502" y="4031360"/>
+            <a:ext cx="2189881" cy="523220"/>
+          </a:xfrm>
+          <a:prstGeom prst="rect">
+            <a:avLst/>
+          </a:prstGeom>
+          <a:ln w="28575"/>
+        </p:spPr>
+        <p:style>
+          <a:lnRef idx="2">
+            <a:schemeClr val="dk1"/>
+          </a:lnRef>
+          <a:fillRef idx="1">
+            <a:schemeClr val="lt1"/>
+          </a:fillRef>
+          <a:effectRef idx="0">
+            <a:schemeClr val="dk1"/>
+          </a:effectRef>
+          <a:fontRef idx="minor">
+            <a:schemeClr val="dk1"/>
+          </a:fontRef>
+        </p:style>
+        <p:txBody>
+          <a:bodyPr wrap="square" rtlCol="0">
+            <a:spAutoFit/>
+          </a:bodyPr>
+          <a:lstStyle/>
+          <a:p>
+            <a:r>
+              <a:rPr lang="en-US" sz="1400" dirty="0"/>
+              <a:t>Latest version of the project stored in </a:t>
+            </a:r>
+            <a:r>
+              <a:rPr lang="en-US" sz="1400" dirty="0">
+                <a:latin typeface="Garamond" panose="02020404030301010803" pitchFamily="18" charset="0"/>
+                <a:ea typeface="Batang" panose="020B0503020000020004" pitchFamily="18" charset="-127"/>
+                <a:cs typeface="Calibri Light" panose="020F0302020204030204" pitchFamily="34" charset="0"/>
+              </a:rPr>
+              <a:t>git.</a:t>
+            </a:r>
+            <a:r>
+              <a:rPr lang="en-US" sz="1400" dirty="0"/>
+              <a:t> </a:t>
+            </a:r>
+          </a:p>
+        </p:txBody>
+      </p:sp>
+      <p:sp>
+        <p:nvSpPr>
+          <p:cNvPr id="6" name="TextBox 5">
+            <a:extLst>
+              <a:ext uri="{FF2B5EF4-FFF2-40B4-BE49-F238E27FC236}">
+                <a16:creationId xmlns:a16="http://schemas.microsoft.com/office/drawing/2014/main" id="{AD030EB4-86E4-4CF7-9AB3-949F348B1143}"/>
+              </a:ext>
+            </a:extLst>
+          </p:cNvPr>
+          <p:cNvSpPr txBox="1"/>
+          <p:nvPr/>
+        </p:nvSpPr>
+        <p:spPr>
+          <a:xfrm>
+            <a:off x="2163166" y="3813253"/>
+            <a:ext cx="2189881" cy="540449"/>
+          </a:xfrm>
+          <a:prstGeom prst="rect">
+            <a:avLst/>
+          </a:prstGeom>
+          <a:ln w="28575"/>
+        </p:spPr>
+        <p:style>
+          <a:lnRef idx="2">
+            <a:schemeClr val="dk1"/>
+          </a:lnRef>
+          <a:fillRef idx="1">
+            <a:schemeClr val="lt1"/>
+          </a:fillRef>
+          <a:effectRef idx="0">
+            <a:schemeClr val="dk1"/>
+          </a:effectRef>
+          <a:fontRef idx="minor">
+            <a:schemeClr val="dk1"/>
+          </a:fontRef>
+        </p:style>
+        <p:txBody>
+          <a:bodyPr wrap="square" rtlCol="0">
+            <a:spAutoFit/>
+          </a:bodyPr>
+          <a:lstStyle/>
+          <a:p>
+            <a:r>
+              <a:rPr lang="en-US" sz="1400" dirty="0"/>
+              <a:t>Files on your computer as you change them.</a:t>
+            </a:r>
+          </a:p>
+        </p:txBody>
+      </p:sp>
+      <p:cxnSp>
+        <p:nvCxnSpPr>
+          <p:cNvPr id="32" name="Straight Connector 31">
+            <a:extLst>
+              <a:ext uri="{FF2B5EF4-FFF2-40B4-BE49-F238E27FC236}">
+                <a16:creationId xmlns:a16="http://schemas.microsoft.com/office/drawing/2014/main" id="{A8F0D1D5-CADC-4CF2-B10D-947BE50F9C85}"/>
+              </a:ext>
+            </a:extLst>
+          </p:cNvPr>
+          <p:cNvCxnSpPr>
+            <a:cxnSpLocks/>
+          </p:cNvCxnSpPr>
+          <p:nvPr/>
+        </p:nvCxnSpPr>
+        <p:spPr>
+          <a:xfrm>
+            <a:off x="963139" y="4708156"/>
+            <a:ext cx="0" cy="2149844"/>
+          </a:xfrm>
+          <a:prstGeom prst="line">
+            <a:avLst/>
+          </a:prstGeom>
+          <a:ln w="28575">
+            <a:solidFill>
+              <a:schemeClr val="tx1"/>
+            </a:solidFill>
+          </a:ln>
+        </p:spPr>
+        <p:style>
+          <a:lnRef idx="1">
+            <a:schemeClr val="accent1"/>
+          </a:lnRef>
+          <a:fillRef idx="0">
+            <a:schemeClr val="accent1"/>
+          </a:fillRef>
+          <a:effectRef idx="0">
+            <a:schemeClr val="accent1"/>
+          </a:effectRef>
+          <a:fontRef idx="minor">
+            <a:schemeClr val="tx1"/>
+          </a:fontRef>
+        </p:style>
+      </p:cxnSp>
+      <p:sp>
+        <p:nvSpPr>
+          <p:cNvPr id="33" name="Arrow: Right 32">
+            <a:extLst>
+              <a:ext uri="{FF2B5EF4-FFF2-40B4-BE49-F238E27FC236}">
+                <a16:creationId xmlns:a16="http://schemas.microsoft.com/office/drawing/2014/main" id="{A2F074EA-9D21-4573-879A-A38E7C2F781D}"/>
+              </a:ext>
+            </a:extLst>
+          </p:cNvPr>
+          <p:cNvSpPr/>
+          <p:nvPr/>
+        </p:nvSpPr>
+        <p:spPr>
+          <a:xfrm flipH="1">
+            <a:off x="940763" y="4481597"/>
+            <a:ext cx="4753834" cy="540449"/>
+          </a:xfrm>
+          <a:prstGeom prst="rightArrow">
+            <a:avLst/>
+          </a:prstGeom>
+        </p:spPr>
+        <p:style>
+          <a:lnRef idx="2">
+            <a:schemeClr val="dk1"/>
+          </a:lnRef>
+          <a:fillRef idx="1">
+            <a:schemeClr val="lt1"/>
+          </a:fillRef>
+          <a:effectRef idx="0">
+            <a:schemeClr val="dk1"/>
+          </a:effectRef>
+          <a:fontRef idx="minor">
+            <a:schemeClr val="dk1"/>
+          </a:fontRef>
+        </p:style>
+        <p:txBody>
+          <a:bodyPr rtlCol="0" anchor="ctr"/>
+          <a:lstStyle/>
+          <a:p>
+            <a:pPr algn="ctr"/>
+            <a:r>
+              <a:rPr lang="en-US" b="1" dirty="0"/>
+              <a:t>checkout</a:t>
+            </a:r>
+            <a:r>
+              <a:rPr lang="en-US" dirty="0"/>
+              <a:t> previous version</a:t>
+            </a:r>
+          </a:p>
+        </p:txBody>
+      </p:sp>
+      <p:sp>
+        <p:nvSpPr>
+          <p:cNvPr id="36" name="Arrow: Right 35">
+            <a:extLst>
+              <a:ext uri="{FF2B5EF4-FFF2-40B4-BE49-F238E27FC236}">
+                <a16:creationId xmlns:a16="http://schemas.microsoft.com/office/drawing/2014/main" id="{A228ADC1-0F93-4D00-8F39-EC6267424AF7}"/>
+              </a:ext>
+            </a:extLst>
+          </p:cNvPr>
+          <p:cNvSpPr/>
+          <p:nvPr/>
+        </p:nvSpPr>
+        <p:spPr>
+          <a:xfrm flipH="1">
+            <a:off x="951951" y="5619638"/>
+            <a:ext cx="4753834" cy="540449"/>
+          </a:xfrm>
+          <a:prstGeom prst="rightArrow">
+            <a:avLst/>
+          </a:prstGeom>
+        </p:spPr>
+        <p:style>
+          <a:lnRef idx="2">
+            <a:schemeClr val="dk1"/>
+          </a:lnRef>
+          <a:fillRef idx="1">
+            <a:schemeClr val="lt1"/>
+          </a:fillRef>
+          <a:effectRef idx="0">
+            <a:schemeClr val="dk1"/>
+          </a:effectRef>
+          <a:fontRef idx="minor">
+            <a:schemeClr val="dk1"/>
+          </a:fontRef>
+        </p:style>
+        <p:txBody>
+          <a:bodyPr rtlCol="0" anchor="ctr"/>
+          <a:lstStyle/>
+          <a:p>
+            <a:pPr algn="ctr"/>
+            <a:r>
+              <a:rPr lang="en-US" b="1" dirty="0"/>
+              <a:t>pull</a:t>
+            </a:r>
+            <a:r>
+              <a:rPr lang="en-US" dirty="0"/>
+              <a:t> new version</a:t>
+            </a:r>
+          </a:p>
+        </p:txBody>
+      </p:sp>
+      <p:sp>
+        <p:nvSpPr>
+          <p:cNvPr id="13" name="Arrow: Right 12">
+            <a:extLst>
+              <a:ext uri="{FF2B5EF4-FFF2-40B4-BE49-F238E27FC236}">
+                <a16:creationId xmlns:a16="http://schemas.microsoft.com/office/drawing/2014/main" id="{C7BA023C-B8BE-4A22-9932-AEE312C1D75E}"/>
+              </a:ext>
+            </a:extLst>
+          </p:cNvPr>
+          <p:cNvSpPr/>
+          <p:nvPr/>
+        </p:nvSpPr>
+        <p:spPr>
+          <a:xfrm>
+            <a:off x="963140" y="2676916"/>
+            <a:ext cx="4753831" cy="540449"/>
+          </a:xfrm>
+          <a:prstGeom prst="rightArrow">
+            <a:avLst/>
+          </a:prstGeom>
+        </p:spPr>
+        <p:style>
+          <a:lnRef idx="2">
+            <a:schemeClr val="dk1"/>
+          </a:lnRef>
+          <a:fillRef idx="1">
+            <a:schemeClr val="lt1"/>
+          </a:fillRef>
+          <a:effectRef idx="0">
+            <a:schemeClr val="dk1"/>
+          </a:effectRef>
+          <a:fontRef idx="minor">
+            <a:schemeClr val="dk1"/>
+          </a:fontRef>
+        </p:style>
+        <p:txBody>
+          <a:bodyPr rtlCol="0" anchor="ctr"/>
+          <a:lstStyle/>
+          <a:p>
+            <a:pPr algn="ctr"/>
+            <a:r>
+              <a:rPr lang="en-US" b="1" dirty="0"/>
+              <a:t>add</a:t>
+            </a:r>
+            <a:r>
+              <a:rPr lang="en-US" dirty="0"/>
+              <a:t>/</a:t>
+            </a:r>
+            <a:r>
+              <a:rPr lang="en-US" b="1" dirty="0"/>
+              <a:t>remove</a:t>
+            </a:r>
+            <a:r>
+              <a:rPr lang="en-US" dirty="0"/>
+              <a:t> files</a:t>
+            </a:r>
+          </a:p>
+        </p:txBody>
+      </p:sp>
+      <p:sp>
+        <p:nvSpPr>
+          <p:cNvPr id="14" name="Arrow: Right 13">
+            <a:extLst>
+              <a:ext uri="{FF2B5EF4-FFF2-40B4-BE49-F238E27FC236}">
+                <a16:creationId xmlns:a16="http://schemas.microsoft.com/office/drawing/2014/main" id="{2A3DB202-C038-4366-9696-9BD0AC60BFCB}"/>
+              </a:ext>
+            </a:extLst>
+          </p:cNvPr>
+          <p:cNvSpPr/>
+          <p:nvPr/>
+        </p:nvSpPr>
+        <p:spPr>
+          <a:xfrm>
+            <a:off x="963139" y="3257357"/>
+            <a:ext cx="4742644" cy="540449"/>
+          </a:xfrm>
+          <a:prstGeom prst="rightArrow">
+            <a:avLst/>
+          </a:prstGeom>
+        </p:spPr>
+        <p:style>
+          <a:lnRef idx="2">
+            <a:schemeClr val="dk1"/>
+          </a:lnRef>
+          <a:fillRef idx="1">
+            <a:schemeClr val="lt1"/>
+          </a:fillRef>
+          <a:effectRef idx="0">
+            <a:schemeClr val="dk1"/>
+          </a:effectRef>
+          <a:fontRef idx="minor">
+            <a:schemeClr val="dk1"/>
+          </a:fontRef>
+        </p:style>
+        <p:txBody>
+          <a:bodyPr rtlCol="0" anchor="ctr"/>
+          <a:lstStyle/>
+          <a:p>
+            <a:pPr algn="ctr"/>
+            <a:r>
+              <a:rPr lang="en-US" b="1" dirty="0"/>
+              <a:t>commit</a:t>
+            </a:r>
+            <a:r>
+              <a:rPr lang="en-US" dirty="0"/>
+              <a:t> changes</a:t>
+            </a:r>
+          </a:p>
+        </p:txBody>
+      </p:sp>
+      <p:grpSp>
+        <p:nvGrpSpPr>
+          <p:cNvPr id="2" name="Group 1">
+            <a:extLst>
+              <a:ext uri="{FF2B5EF4-FFF2-40B4-BE49-F238E27FC236}">
+                <a16:creationId xmlns:a16="http://schemas.microsoft.com/office/drawing/2014/main" id="{E28CE13F-D083-419F-ADDA-7C59E2FE5DD0}"/>
+              </a:ext>
+            </a:extLst>
+          </p:cNvPr>
+          <p:cNvGrpSpPr/>
+          <p:nvPr/>
+        </p:nvGrpSpPr>
+        <p:grpSpPr>
+          <a:xfrm>
+            <a:off x="940763" y="1189371"/>
+            <a:ext cx="8142314" cy="5668629"/>
+            <a:chOff x="940763" y="1189371"/>
+            <a:chExt cx="8142314" cy="5668629"/>
+          </a:xfrm>
+        </p:grpSpPr>
+        <p:sp>
+          <p:nvSpPr>
+            <p:cNvPr id="24" name="Arrow: Right 23">
+              <a:extLst>
+                <a:ext uri="{FF2B5EF4-FFF2-40B4-BE49-F238E27FC236}">
+                  <a16:creationId xmlns:a16="http://schemas.microsoft.com/office/drawing/2014/main" id="{F12FD019-44D8-4FA0-A728-3295E7C0AC8F}"/>
+                </a:ext>
+              </a:extLst>
+            </p:cNvPr>
+            <p:cNvSpPr/>
+            <p:nvPr/>
+          </p:nvSpPr>
+          <p:spPr>
+            <a:xfrm>
+              <a:off x="5694597" y="5864917"/>
+              <a:ext cx="2431193" cy="646331"/>
+            </a:xfrm>
+            <a:prstGeom prst="rightArrow">
+              <a:avLst/>
+            </a:prstGeom>
+          </p:spPr>
+          <p:style>
+            <a:lnRef idx="2">
+              <a:schemeClr val="dk1"/>
+            </a:lnRef>
+            <a:fillRef idx="1">
+              <a:schemeClr val="lt1"/>
+            </a:fillRef>
+            <a:effectRef idx="0">
+              <a:schemeClr val="dk1"/>
+            </a:effectRef>
+            <a:fontRef idx="minor">
+              <a:schemeClr val="dk1"/>
+            </a:fontRef>
+          </p:style>
+          <p:txBody>
+            <a:bodyPr rtlCol="0" anchor="ctr"/>
+            <a:lstStyle/>
+            <a:p>
+              <a:pPr algn="ctr"/>
+              <a:r>
+                <a:rPr lang="en-US" b="1" dirty="0"/>
+                <a:t>push</a:t>
+              </a:r>
+              <a:r>
+                <a:rPr lang="en-US" dirty="0"/>
+                <a:t> update</a:t>
+              </a:r>
+            </a:p>
+          </p:txBody>
+        </p:sp>
+        <p:sp>
+          <p:nvSpPr>
+            <p:cNvPr id="26" name="Oval 25">
+              <a:extLst>
+                <a:ext uri="{FF2B5EF4-FFF2-40B4-BE49-F238E27FC236}">
+                  <a16:creationId xmlns:a16="http://schemas.microsoft.com/office/drawing/2014/main" id="{242869A0-8479-44CA-BE8A-5E7AB419E6B5}"/>
+                </a:ext>
+              </a:extLst>
+            </p:cNvPr>
+            <p:cNvSpPr/>
+            <p:nvPr/>
+          </p:nvSpPr>
+          <p:spPr>
+            <a:xfrm>
+              <a:off x="7168504" y="1189371"/>
+              <a:ext cx="1914573" cy="1340825"/>
+            </a:xfrm>
+            <a:prstGeom prst="ellipse">
+              <a:avLst/>
+            </a:prstGeom>
+          </p:spPr>
+          <p:style>
+            <a:lnRef idx="2">
+              <a:schemeClr val="dk1"/>
+            </a:lnRef>
+            <a:fillRef idx="1">
+              <a:schemeClr val="lt1"/>
+            </a:fillRef>
+            <a:effectRef idx="0">
+              <a:schemeClr val="dk1"/>
+            </a:effectRef>
+            <a:fontRef idx="minor">
+              <a:schemeClr val="dk1"/>
+            </a:fontRef>
+          </p:style>
+          <p:txBody>
+            <a:bodyPr rtlCol="0" anchor="ctr"/>
+            <a:lstStyle/>
+            <a:p>
+              <a:pPr algn="ctr"/>
+              <a:r>
+                <a:rPr lang="en-US" sz="2000" dirty="0"/>
+                <a:t>Global </a:t>
+              </a:r>
+              <a:r>
+                <a:rPr lang="en-US" sz="2000" dirty="0">
+                  <a:latin typeface="Garamond" panose="02020404030301010803" pitchFamily="18" charset="0"/>
+                  <a:ea typeface="Batang" panose="020B0503020000020004" pitchFamily="18" charset="-127"/>
+                  <a:cs typeface="Calibri Light" panose="020F0302020204030204" pitchFamily="34" charset="0"/>
+                </a:rPr>
+                <a:t>git</a:t>
+              </a:r>
+              <a:r>
+                <a:rPr lang="en-US" sz="2000" dirty="0"/>
+                <a:t> Repository</a:t>
+              </a:r>
+            </a:p>
+            <a:p>
+              <a:pPr algn="ctr"/>
+              <a:r>
+                <a:rPr lang="en-US" sz="2000" dirty="0"/>
+                <a:t>(GitHub)</a:t>
+              </a:r>
+            </a:p>
+          </p:txBody>
+        </p:sp>
+        <p:sp>
+          <p:nvSpPr>
+            <p:cNvPr id="28" name="Arrow: Right 27">
+              <a:extLst>
+                <a:ext uri="{FF2B5EF4-FFF2-40B4-BE49-F238E27FC236}">
+                  <a16:creationId xmlns:a16="http://schemas.microsoft.com/office/drawing/2014/main" id="{3CEF15F8-820F-4BA0-90FA-77B3CC289122}"/>
+                </a:ext>
+              </a:extLst>
+            </p:cNvPr>
+            <p:cNvSpPr/>
+            <p:nvPr/>
+          </p:nvSpPr>
+          <p:spPr>
+            <a:xfrm flipH="1">
+              <a:off x="940763" y="6317551"/>
+              <a:ext cx="7185027" cy="540449"/>
+            </a:xfrm>
+            <a:prstGeom prst="rightArrow">
+              <a:avLst/>
+            </a:prstGeom>
+          </p:spPr>
+          <p:style>
+            <a:lnRef idx="2">
+              <a:schemeClr val="dk1"/>
+            </a:lnRef>
+            <a:fillRef idx="1">
+              <a:schemeClr val="lt1"/>
+            </a:fillRef>
+            <a:effectRef idx="0">
+              <a:schemeClr val="dk1"/>
+            </a:effectRef>
+            <a:fontRef idx="minor">
+              <a:schemeClr val="dk1"/>
+            </a:fontRef>
+          </p:style>
+          <p:txBody>
+            <a:bodyPr rtlCol="0" anchor="ctr"/>
+            <a:lstStyle/>
+            <a:p>
+              <a:pPr algn="ctr"/>
+              <a:r>
+                <a:rPr lang="en-US" b="1" dirty="0"/>
+                <a:t>pull/checkout</a:t>
+              </a:r>
+              <a:r>
+                <a:rPr lang="en-US" dirty="0"/>
+                <a:t> new version</a:t>
+              </a:r>
+            </a:p>
+          </p:txBody>
+        </p:sp>
+        <p:cxnSp>
+          <p:nvCxnSpPr>
+            <p:cNvPr id="30" name="Straight Connector 29">
+              <a:extLst>
+                <a:ext uri="{FF2B5EF4-FFF2-40B4-BE49-F238E27FC236}">
+                  <a16:creationId xmlns:a16="http://schemas.microsoft.com/office/drawing/2014/main" id="{89CF5AFB-B158-4DC4-B828-94E2E33EC099}"/>
+                </a:ext>
+              </a:extLst>
+            </p:cNvPr>
+            <p:cNvCxnSpPr>
+              <a:cxnSpLocks/>
+            </p:cNvCxnSpPr>
+            <p:nvPr/>
+          </p:nvCxnSpPr>
+          <p:spPr>
+            <a:xfrm>
+              <a:off x="8125790" y="2558564"/>
+              <a:ext cx="0" cy="4299436"/>
+            </a:xfrm>
+            <a:prstGeom prst="line">
+              <a:avLst/>
+            </a:prstGeom>
+            <a:ln w="28575">
+              <a:solidFill>
+                <a:schemeClr val="tx1"/>
+              </a:solidFill>
+            </a:ln>
+          </p:spPr>
+          <p:style>
+            <a:lnRef idx="1">
+              <a:schemeClr val="accent1"/>
+            </a:lnRef>
+            <a:fillRef idx="0">
+              <a:schemeClr val="accent1"/>
+            </a:fillRef>
+            <a:effectRef idx="0">
+              <a:schemeClr val="accent1"/>
+            </a:effectRef>
+            <a:fontRef idx="minor">
+              <a:schemeClr val="tx1"/>
+            </a:fontRef>
+          </p:style>
+        </p:cxnSp>
+      </p:grpSp>
+    </p:spTree>
+    <p:extLst>
+      <p:ext uri="{BB962C8B-B14F-4D97-AF65-F5344CB8AC3E}">
+        <p14:creationId xmlns:p14="http://schemas.microsoft.com/office/powerpoint/2010/main" val="1841623280"/>
+      </p:ext>
+    </p:extLst>
+  </p:cSld>
+  <p:clrMapOvr>
+    <a:masterClrMapping/>
+  </p:clrMapOvr>
+</p:sld>
+</file>
+
+<file path=ppt/slides/slide15.xml><?xml version="1.0" encoding="utf-8"?>
+<p:sld xmlns:a="http://schemas.openxmlformats.org/drawingml/2006/main" xmlns:r="http://schemas.openxmlformats.org/officeDocument/2006/relationships" xmlns:p="http://schemas.openxmlformats.org/presentationml/2006/main">
+  <p:cSld>
+    <p:spTree>
+      <p:nvGrpSpPr>
+        <p:cNvPr id="1" name=""/>
+        <p:cNvGrpSpPr/>
+        <p:nvPr/>
+      </p:nvGrpSpPr>
+      <p:grpSpPr>
+        <a:xfrm>
+          <a:off x="0" y="0"/>
+          <a:ext cx="0" cy="0"/>
+          <a:chOff x="0" y="0"/>
+          <a:chExt cx="0" cy="0"/>
+        </a:xfrm>
+      </p:grpSpPr>
+      <p:sp>
+        <p:nvSpPr>
+          <p:cNvPr id="2" name="Title 1">
+            <a:extLst>
+              <a:ext uri="{FF2B5EF4-FFF2-40B4-BE49-F238E27FC236}">
+                <a16:creationId xmlns:a16="http://schemas.microsoft.com/office/drawing/2014/main" id="{80ABCC70-BFFD-49BA-ADA1-FFBB501D4D27}"/>
+              </a:ext>
+            </a:extLst>
+          </p:cNvPr>
+          <p:cNvSpPr>
+            <a:spLocks noGrp="1"/>
+          </p:cNvSpPr>
+          <p:nvPr>
+            <p:ph type="title"/>
+          </p:nvPr>
+        </p:nvSpPr>
+        <p:spPr>
+          <a:xfrm>
+            <a:off x="628650" y="0"/>
+            <a:ext cx="7886700" cy="1006474"/>
+          </a:xfrm>
+        </p:spPr>
+        <p:txBody>
+          <a:bodyPr/>
+          <a:lstStyle/>
+          <a:p>
+            <a:r>
+              <a:rPr lang="en-US" dirty="0"/>
+              <a:t>Outline for Today</a:t>
+            </a:r>
+          </a:p>
+        </p:txBody>
+      </p:sp>
+      <p:sp>
+        <p:nvSpPr>
+          <p:cNvPr id="3" name="Content Placeholder 2">
+            <a:extLst>
+              <a:ext uri="{FF2B5EF4-FFF2-40B4-BE49-F238E27FC236}">
+                <a16:creationId xmlns:a16="http://schemas.microsoft.com/office/drawing/2014/main" id="{A3D767BF-CD02-4AF9-B3E4-D56EAF25DB77}"/>
+              </a:ext>
+            </a:extLst>
+          </p:cNvPr>
+          <p:cNvSpPr>
+            <a:spLocks noGrp="1"/>
+          </p:cNvSpPr>
+          <p:nvPr>
+            <p:ph idx="1"/>
+          </p:nvPr>
+        </p:nvSpPr>
+        <p:spPr>
+          <a:xfrm>
+            <a:off x="393700" y="1006474"/>
+            <a:ext cx="8509000" cy="5673726"/>
+          </a:xfrm>
+        </p:spPr>
+        <p:txBody>
+          <a:bodyPr>
+            <a:normAutofit/>
+          </a:bodyPr>
+          <a:lstStyle/>
+          <a:p>
+            <a:pPr marL="514350" indent="-514350">
+              <a:buFont typeface="+mj-lt"/>
+              <a:buAutoNum type="arabicPeriod"/>
+            </a:pPr>
+            <a:r>
+              <a:rPr lang="en-US" sz="2800" dirty="0"/>
+              <a:t>Why use version control?</a:t>
+            </a:r>
+          </a:p>
+          <a:p>
+            <a:pPr marL="514350" indent="-514350">
+              <a:buFont typeface="+mj-lt"/>
+              <a:buAutoNum type="arabicPeriod"/>
+            </a:pPr>
+            <a:endParaRPr lang="en-US" sz="2800" dirty="0"/>
+          </a:p>
+          <a:p>
+            <a:pPr marL="514350" indent="-514350">
+              <a:buFont typeface="+mj-lt"/>
+              <a:buAutoNum type="arabicPeriod"/>
+            </a:pPr>
+            <a:r>
+              <a:rPr lang="en-US" dirty="0"/>
+              <a:t>What is version control, Git, and GitHub?</a:t>
+            </a:r>
+          </a:p>
+          <a:p>
+            <a:pPr marL="514350" indent="-514350">
+              <a:buFont typeface="+mj-lt"/>
+              <a:buAutoNum type="arabicPeriod"/>
+            </a:pPr>
+            <a:endParaRPr lang="en-US" sz="2800" dirty="0"/>
+          </a:p>
+          <a:p>
+            <a:pPr marL="514350" indent="-514350">
+              <a:buFont typeface="+mj-lt"/>
+              <a:buAutoNum type="arabicPeriod"/>
+            </a:pPr>
+            <a:r>
+              <a:rPr lang="en-US" sz="2800" dirty="0"/>
+              <a:t>Our first Git version control project with </a:t>
+            </a:r>
+            <a:r>
+              <a:rPr lang="en-US" sz="2800" dirty="0" err="1"/>
+              <a:t>Rstudio</a:t>
+            </a:r>
+            <a:endParaRPr lang="en-US" sz="2800" dirty="0"/>
+          </a:p>
+          <a:p>
+            <a:pPr marL="514350" indent="-514350">
+              <a:buFont typeface="+mj-lt"/>
+              <a:buAutoNum type="arabicPeriod"/>
+            </a:pPr>
+            <a:endParaRPr lang="en-US" sz="2800" dirty="0"/>
+          </a:p>
+          <a:p>
+            <a:pPr marL="514350" indent="-514350">
+              <a:buFont typeface="+mj-lt"/>
+              <a:buAutoNum type="arabicPeriod"/>
+            </a:pPr>
+            <a:r>
+              <a:rPr lang="en-US" sz="2800" dirty="0"/>
+              <a:t>More </a:t>
+            </a:r>
+            <a:r>
+              <a:rPr lang="en-US" dirty="0"/>
+              <a:t>Git demo</a:t>
+            </a:r>
+            <a:endParaRPr lang="en-US" sz="2800" dirty="0"/>
+          </a:p>
+        </p:txBody>
+      </p:sp>
+    </p:spTree>
+    <p:extLst>
+      <p:ext uri="{BB962C8B-B14F-4D97-AF65-F5344CB8AC3E}">
+        <p14:creationId xmlns:p14="http://schemas.microsoft.com/office/powerpoint/2010/main" val="301685923"/>
+      </p:ext>
+    </p:extLst>
+  </p:cSld>
+  <p:clrMapOvr>
+    <a:masterClrMapping/>
+  </p:clrMapOvr>
+</p:sld>
+</file>
+
+<file path=ppt/slides/slide16.xml><?xml version="1.0" encoding="utf-8"?>
+<p:sld xmlns:a="http://schemas.openxmlformats.org/drawingml/2006/main" xmlns:r="http://schemas.openxmlformats.org/officeDocument/2006/relationships" xmlns:p="http://schemas.openxmlformats.org/presentationml/2006/main">
+  <p:cSld>
+    <p:spTree>
+      <p:nvGrpSpPr>
+        <p:cNvPr id="1" name=""/>
+        <p:cNvGrpSpPr/>
+        <p:nvPr/>
+      </p:nvGrpSpPr>
+      <p:grpSpPr>
+        <a:xfrm>
+          <a:off x="0" y="0"/>
+          <a:ext cx="0" cy="0"/>
+          <a:chOff x="0" y="0"/>
+          <a:chExt cx="0" cy="0"/>
+        </a:xfrm>
+      </p:grpSpPr>
+      <p:sp>
+        <p:nvSpPr>
+          <p:cNvPr id="2" name="Title 1">
+            <a:extLst>
+              <a:ext uri="{FF2B5EF4-FFF2-40B4-BE49-F238E27FC236}">
+                <a16:creationId xmlns:a16="http://schemas.microsoft.com/office/drawing/2014/main" id="{80ABCC70-BFFD-49BA-ADA1-FFBB501D4D27}"/>
+              </a:ext>
+            </a:extLst>
+          </p:cNvPr>
+          <p:cNvSpPr>
+            <a:spLocks noGrp="1"/>
+          </p:cNvSpPr>
+          <p:nvPr>
+            <p:ph type="title"/>
+          </p:nvPr>
+        </p:nvSpPr>
+        <p:spPr>
+          <a:xfrm>
+            <a:off x="628650" y="0"/>
+            <a:ext cx="7886700" cy="1006474"/>
+          </a:xfrm>
+        </p:spPr>
+        <p:txBody>
+          <a:bodyPr/>
+          <a:lstStyle/>
+          <a:p>
+            <a:r>
+              <a:rPr lang="en-US" dirty="0"/>
+              <a:t>Outline for Today</a:t>
+            </a:r>
+          </a:p>
+        </p:txBody>
+      </p:sp>
+      <p:sp>
+        <p:nvSpPr>
+          <p:cNvPr id="3" name="Content Placeholder 2">
+            <a:extLst>
+              <a:ext uri="{FF2B5EF4-FFF2-40B4-BE49-F238E27FC236}">
+                <a16:creationId xmlns:a16="http://schemas.microsoft.com/office/drawing/2014/main" id="{A3D767BF-CD02-4AF9-B3E4-D56EAF25DB77}"/>
+              </a:ext>
+            </a:extLst>
+          </p:cNvPr>
+          <p:cNvSpPr>
+            <a:spLocks noGrp="1"/>
+          </p:cNvSpPr>
+          <p:nvPr>
+            <p:ph idx="1"/>
+          </p:nvPr>
+        </p:nvSpPr>
+        <p:spPr>
+          <a:xfrm>
+            <a:off x="393700" y="1006474"/>
+            <a:ext cx="8509000" cy="5673726"/>
+          </a:xfrm>
+        </p:spPr>
+        <p:txBody>
+          <a:bodyPr>
+            <a:normAutofit/>
+          </a:bodyPr>
+          <a:lstStyle/>
+          <a:p>
+            <a:pPr marL="514350" indent="-514350">
+              <a:buFont typeface="+mj-lt"/>
+              <a:buAutoNum type="arabicPeriod"/>
+            </a:pPr>
+            <a:r>
+              <a:rPr lang="en-US" sz="2800" strike="sngStrike" dirty="0"/>
+              <a:t>Why use version control?</a:t>
+            </a:r>
+            <a:endParaRPr lang="en-US" sz="2800" dirty="0"/>
+          </a:p>
+          <a:p>
+            <a:pPr marL="0" indent="0">
+              <a:buNone/>
+            </a:pPr>
+            <a:endParaRPr lang="en-US" sz="2800" strike="sngStrike" dirty="0"/>
+          </a:p>
+          <a:p>
+            <a:pPr marL="514350" indent="-514350">
+              <a:buFont typeface="+mj-lt"/>
+              <a:buAutoNum type="arabicPeriod"/>
+            </a:pPr>
+            <a:r>
+              <a:rPr lang="en-US" strike="sngStrike" dirty="0"/>
+              <a:t>What is version control, Git, and GitHub?</a:t>
+            </a:r>
+          </a:p>
+          <a:p>
+            <a:pPr marL="514350" indent="-514350">
+              <a:buFont typeface="+mj-lt"/>
+              <a:buAutoNum type="arabicPeriod"/>
+            </a:pPr>
+            <a:endParaRPr lang="en-US" sz="2800" dirty="0"/>
+          </a:p>
+          <a:p>
+            <a:pPr marL="514350" indent="-514350">
+              <a:buFont typeface="+mj-lt"/>
+              <a:buAutoNum type="arabicPeriod"/>
+            </a:pPr>
+            <a:r>
+              <a:rPr lang="en-US" sz="2800" dirty="0"/>
+              <a:t>Our first Git version control project with </a:t>
+            </a:r>
+            <a:r>
+              <a:rPr lang="en-US" sz="2800" dirty="0" err="1"/>
+              <a:t>Rstudio</a:t>
+            </a:r>
+            <a:endParaRPr lang="en-US" sz="2800" dirty="0"/>
+          </a:p>
+          <a:p>
+            <a:pPr marL="514350" indent="-514350">
+              <a:buFont typeface="+mj-lt"/>
+              <a:buAutoNum type="arabicPeriod"/>
+            </a:pPr>
+            <a:endParaRPr lang="en-US" sz="2800" dirty="0"/>
+          </a:p>
+          <a:p>
+            <a:pPr marL="514350" indent="-514350">
+              <a:buFont typeface="+mj-lt"/>
+              <a:buAutoNum type="arabicPeriod"/>
+            </a:pPr>
+            <a:r>
+              <a:rPr lang="en-US" sz="2800" dirty="0"/>
+              <a:t>More </a:t>
+            </a:r>
+            <a:r>
+              <a:rPr lang="en-US" dirty="0"/>
+              <a:t>Git demo</a:t>
+            </a:r>
+            <a:endParaRPr lang="en-US" sz="2800" dirty="0"/>
+          </a:p>
+        </p:txBody>
+      </p:sp>
+    </p:spTree>
+    <p:extLst>
+      <p:ext uri="{BB962C8B-B14F-4D97-AF65-F5344CB8AC3E}">
+        <p14:creationId xmlns:p14="http://schemas.microsoft.com/office/powerpoint/2010/main" val="3473994324"/>
+      </p:ext>
+    </p:extLst>
+  </p:cSld>
+  <p:clrMapOvr>
+    <a:masterClrMapping/>
+  </p:clrMapOvr>
+</p:sld>
+</file>
+
+<file path=ppt/slides/slide17.xml><?xml version="1.0" encoding="utf-8"?>
+<p:sld xmlns:a="http://schemas.openxmlformats.org/drawingml/2006/main" xmlns:r="http://schemas.openxmlformats.org/officeDocument/2006/relationships" xmlns:p="http://schemas.openxmlformats.org/presentationml/2006/main">
+  <p:cSld>
+    <p:spTree>
+      <p:nvGrpSpPr>
+        <p:cNvPr id="1" name=""/>
+        <p:cNvGrpSpPr/>
+        <p:nvPr/>
+      </p:nvGrpSpPr>
+      <p:grpSpPr>
+        <a:xfrm>
+          <a:off x="0" y="0"/>
+          <a:ext cx="0" cy="0"/>
+          <a:chOff x="0" y="0"/>
+          <a:chExt cx="0" cy="0"/>
+        </a:xfrm>
+      </p:grpSpPr>
+      <p:sp>
+        <p:nvSpPr>
           <p:cNvPr id="2" name="Title 1">
             <a:extLst>
               <a:ext uri="{FF2B5EF4-FFF2-40B4-BE49-F238E27FC236}">
@@ -5570,7 +8429,7 @@
 </p:sld>
 </file>
 
-<file path=ppt/slides/slide15.xml><?xml version="1.0" encoding="utf-8"?>
+<file path=ppt/slides/slide18.xml><?xml version="1.0" encoding="utf-8"?>
 <p:sld xmlns:a="http://schemas.openxmlformats.org/drawingml/2006/main" xmlns:r="http://schemas.openxmlformats.org/officeDocument/2006/relationships" xmlns:p="http://schemas.openxmlformats.org/presentationml/2006/main">
   <p:cSld>
     <p:spTree>
@@ -5718,423 +8577,6 @@
 </p:sld>
 </file>
 
-<file path=ppt/slides/slide16.xml><?xml version="1.0" encoding="utf-8"?>
-<p:sld xmlns:a="http://schemas.openxmlformats.org/drawingml/2006/main" xmlns:r="http://schemas.openxmlformats.org/officeDocument/2006/relationships" xmlns:p="http://schemas.openxmlformats.org/presentationml/2006/main">
-  <p:cSld>
-    <p:spTree>
-      <p:nvGrpSpPr>
-        <p:cNvPr id="1" name=""/>
-        <p:cNvGrpSpPr/>
-        <p:nvPr/>
-      </p:nvGrpSpPr>
-      <p:grpSpPr>
-        <a:xfrm>
-          <a:off x="0" y="0"/>
-          <a:ext cx="0" cy="0"/>
-          <a:chOff x="0" y="0"/>
-          <a:chExt cx="0" cy="0"/>
-        </a:xfrm>
-      </p:grpSpPr>
-      <p:sp>
-        <p:nvSpPr>
-          <p:cNvPr id="3" name="Content Placeholder 2">
-            <a:extLst>
-              <a:ext uri="{FF2B5EF4-FFF2-40B4-BE49-F238E27FC236}">
-                <a16:creationId xmlns:a16="http://schemas.microsoft.com/office/drawing/2014/main" id="{E46C23FD-2615-427C-89AA-75DA1D31A864}"/>
-              </a:ext>
-            </a:extLst>
-          </p:cNvPr>
-          <p:cNvSpPr>
-            <a:spLocks noGrp="1"/>
-          </p:cNvSpPr>
-          <p:nvPr>
-            <p:ph idx="1"/>
-          </p:nvPr>
-        </p:nvSpPr>
-        <p:spPr>
-          <a:xfrm>
-            <a:off x="217503" y="994300"/>
-            <a:ext cx="8708994" cy="5182664"/>
-          </a:xfrm>
-        </p:spPr>
-        <p:txBody>
-          <a:bodyPr/>
-          <a:lstStyle/>
-          <a:p>
-            <a:pPr marL="0" indent="0">
-              <a:buNone/>
-            </a:pPr>
-            <a:r>
-              <a:rPr lang="en-US" dirty="0">
-                <a:latin typeface="Garamond" panose="02020404030301010803" pitchFamily="18" charset="0"/>
-                <a:ea typeface="Batang" panose="020B0503020000020004" pitchFamily="18" charset="-127"/>
-                <a:cs typeface="Calibri Light" panose="020F0302020204030204" pitchFamily="34" charset="0"/>
-              </a:rPr>
-              <a:t>clone </a:t>
-            </a:r>
-            <a:r>
-              <a:rPr lang="en-US" dirty="0"/>
-              <a:t>Copy a repository into your current folder</a:t>
-            </a:r>
-          </a:p>
-          <a:p>
-            <a:pPr marL="0" indent="0">
-              <a:buNone/>
-            </a:pPr>
-            <a:endParaRPr lang="en-US" dirty="0">
-              <a:latin typeface="Garamond" panose="02020404030301010803" pitchFamily="18" charset="0"/>
-              <a:ea typeface="Batang" panose="020B0503020000020004" pitchFamily="18" charset="-127"/>
-              <a:cs typeface="Calibri Light" panose="020F0302020204030204" pitchFamily="34" charset="0"/>
-            </a:endParaRPr>
-          </a:p>
-          <a:p>
-            <a:pPr marL="0" indent="0">
-              <a:buNone/>
-            </a:pPr>
-            <a:r>
-              <a:rPr lang="en-US" dirty="0">
-                <a:latin typeface="Garamond" panose="02020404030301010803" pitchFamily="18" charset="0"/>
-                <a:ea typeface="Batang" panose="020B0503020000020004" pitchFamily="18" charset="-127"/>
-                <a:cs typeface="Calibri Light" panose="020F0302020204030204" pitchFamily="34" charset="0"/>
-              </a:rPr>
-              <a:t>add </a:t>
-            </a:r>
-            <a:r>
-              <a:rPr lang="en-US" dirty="0"/>
-              <a:t>Tell git you want to add files</a:t>
-            </a:r>
-          </a:p>
-          <a:p>
-            <a:pPr marL="0" indent="0">
-              <a:buNone/>
-            </a:pPr>
-            <a:endParaRPr lang="en-US" dirty="0">
-              <a:latin typeface="Garamond" panose="02020404030301010803" pitchFamily="18" charset="0"/>
-              <a:ea typeface="Batang" panose="020B0503020000020004" pitchFamily="18" charset="-127"/>
-              <a:cs typeface="Calibri Light" panose="020F0302020204030204" pitchFamily="34" charset="0"/>
-            </a:endParaRPr>
-          </a:p>
-          <a:p>
-            <a:pPr marL="0" indent="0">
-              <a:buNone/>
-            </a:pPr>
-            <a:r>
-              <a:rPr lang="en-US" dirty="0">
-                <a:latin typeface="Garamond" panose="02020404030301010803" pitchFamily="18" charset="0"/>
-                <a:ea typeface="Batang" panose="020B0503020000020004" pitchFamily="18" charset="-127"/>
-                <a:cs typeface="Calibri Light" panose="020F0302020204030204" pitchFamily="34" charset="0"/>
-              </a:rPr>
-              <a:t>commit </a:t>
-            </a:r>
-            <a:r>
-              <a:rPr lang="en-US" dirty="0"/>
-              <a:t>Tell git you want to make changes to files</a:t>
-            </a:r>
-          </a:p>
-          <a:p>
-            <a:pPr marL="0" indent="0">
-              <a:buNone/>
-            </a:pPr>
-            <a:endParaRPr lang="en-US" dirty="0"/>
-          </a:p>
-          <a:p>
-            <a:pPr marL="0" indent="0">
-              <a:buNone/>
-            </a:pPr>
-            <a:r>
-              <a:rPr lang="en-US" dirty="0">
-                <a:latin typeface="Garamond" panose="02020404030301010803" pitchFamily="18" charset="0"/>
-                <a:ea typeface="Batang" panose="020B0503020000020004" pitchFamily="18" charset="-127"/>
-                <a:cs typeface="Calibri Light" panose="020F0302020204030204" pitchFamily="34" charset="0"/>
-              </a:rPr>
-              <a:t>push </a:t>
-            </a:r>
-            <a:r>
-              <a:rPr lang="en-US" dirty="0"/>
-              <a:t>Have git update your repository with current changes</a:t>
-            </a:r>
-          </a:p>
-          <a:p>
-            <a:pPr marL="0" indent="0">
-              <a:buNone/>
-            </a:pPr>
-            <a:endParaRPr lang="en-US" dirty="0"/>
-          </a:p>
-          <a:p>
-            <a:pPr marL="0" indent="0">
-              <a:buNone/>
-            </a:pPr>
-            <a:r>
-              <a:rPr lang="en-US" dirty="0"/>
-              <a:t>REMEMBER TO SAVE BEFOREHAND. </a:t>
-            </a:r>
-          </a:p>
-        </p:txBody>
-      </p:sp>
-      <p:sp>
-        <p:nvSpPr>
-          <p:cNvPr id="7" name="Title 1">
-            <a:extLst>
-              <a:ext uri="{FF2B5EF4-FFF2-40B4-BE49-F238E27FC236}">
-                <a16:creationId xmlns:a16="http://schemas.microsoft.com/office/drawing/2014/main" id="{63542CC7-D919-4D1A-98E6-862F6A2D8D28}"/>
-              </a:ext>
-            </a:extLst>
-          </p:cNvPr>
-          <p:cNvSpPr>
-            <a:spLocks noGrp="1"/>
-          </p:cNvSpPr>
-          <p:nvPr>
-            <p:ph type="title"/>
-          </p:nvPr>
-        </p:nvSpPr>
-        <p:spPr>
-          <a:xfrm>
-            <a:off x="628650" y="81040"/>
-            <a:ext cx="7886700" cy="691317"/>
-          </a:xfrm>
-        </p:spPr>
-        <p:txBody>
-          <a:bodyPr>
-            <a:normAutofit fontScale="90000"/>
-          </a:bodyPr>
-          <a:lstStyle/>
-          <a:p>
-            <a:r>
-              <a:rPr lang="en-US" dirty="0"/>
-              <a:t>Your first </a:t>
-            </a:r>
-            <a:r>
-              <a:rPr lang="en-US" dirty="0">
-                <a:latin typeface="Garamond" panose="02020404030301010803" pitchFamily="18" charset="0"/>
-                <a:ea typeface="Batang" panose="020B0503020000020004" pitchFamily="18" charset="-127"/>
-                <a:cs typeface="Calibri Light" panose="020F0302020204030204" pitchFamily="34" charset="0"/>
-              </a:rPr>
-              <a:t>git </a:t>
-            </a:r>
-            <a:r>
-              <a:rPr lang="en-US" dirty="0"/>
-              <a:t>commands</a:t>
-            </a:r>
-          </a:p>
-        </p:txBody>
-      </p:sp>
-    </p:spTree>
-    <p:extLst>
-      <p:ext uri="{BB962C8B-B14F-4D97-AF65-F5344CB8AC3E}">
-        <p14:creationId xmlns:p14="http://schemas.microsoft.com/office/powerpoint/2010/main" val="4174355351"/>
-      </p:ext>
-    </p:extLst>
-  </p:cSld>
-  <p:clrMapOvr>
-    <a:masterClrMapping/>
-  </p:clrMapOvr>
-</p:sld>
-</file>
-
-<file path=ppt/slides/slide17.xml><?xml version="1.0" encoding="utf-8"?>
-<p:sld xmlns:a="http://schemas.openxmlformats.org/drawingml/2006/main" xmlns:r="http://schemas.openxmlformats.org/officeDocument/2006/relationships" xmlns:p="http://schemas.openxmlformats.org/presentationml/2006/main">
-  <p:cSld>
-    <p:spTree>
-      <p:nvGrpSpPr>
-        <p:cNvPr id="1" name=""/>
-        <p:cNvGrpSpPr/>
-        <p:nvPr/>
-      </p:nvGrpSpPr>
-      <p:grpSpPr>
-        <a:xfrm>
-          <a:off x="0" y="0"/>
-          <a:ext cx="0" cy="0"/>
-          <a:chOff x="0" y="0"/>
-          <a:chExt cx="0" cy="0"/>
-        </a:xfrm>
-      </p:grpSpPr>
-      <p:sp>
-        <p:nvSpPr>
-          <p:cNvPr id="2" name="Title 1">
-            <a:extLst>
-              <a:ext uri="{FF2B5EF4-FFF2-40B4-BE49-F238E27FC236}">
-                <a16:creationId xmlns:a16="http://schemas.microsoft.com/office/drawing/2014/main" id="{4EE9EE95-07F7-4C6E-9C2F-C831F897C8BE}"/>
-              </a:ext>
-            </a:extLst>
-          </p:cNvPr>
-          <p:cNvSpPr>
-            <a:spLocks noGrp="1"/>
-          </p:cNvSpPr>
-          <p:nvPr>
-            <p:ph type="title"/>
-          </p:nvPr>
-        </p:nvSpPr>
-        <p:spPr/>
-        <p:txBody>
-          <a:bodyPr/>
-          <a:lstStyle/>
-          <a:p>
-            <a:r>
-              <a:rPr lang="en-US" dirty="0"/>
-              <a:t>RStudio demo</a:t>
-            </a:r>
-          </a:p>
-        </p:txBody>
-      </p:sp>
-    </p:spTree>
-    <p:extLst>
-      <p:ext uri="{BB962C8B-B14F-4D97-AF65-F5344CB8AC3E}">
-        <p14:creationId xmlns:p14="http://schemas.microsoft.com/office/powerpoint/2010/main" val="3274052902"/>
-      </p:ext>
-    </p:extLst>
-  </p:cSld>
-  <p:clrMapOvr>
-    <a:masterClrMapping/>
-  </p:clrMapOvr>
-</p:sld>
-</file>
-
-<file path=ppt/slides/slide18.xml><?xml version="1.0" encoding="utf-8"?>
-<p:sld xmlns:a="http://schemas.openxmlformats.org/drawingml/2006/main" xmlns:r="http://schemas.openxmlformats.org/officeDocument/2006/relationships" xmlns:p="http://schemas.openxmlformats.org/presentationml/2006/main">
-  <p:cSld>
-    <p:spTree>
-      <p:nvGrpSpPr>
-        <p:cNvPr id="1" name=""/>
-        <p:cNvGrpSpPr/>
-        <p:nvPr/>
-      </p:nvGrpSpPr>
-      <p:grpSpPr>
-        <a:xfrm>
-          <a:off x="0" y="0"/>
-          <a:ext cx="0" cy="0"/>
-          <a:chOff x="0" y="0"/>
-          <a:chExt cx="0" cy="0"/>
-        </a:xfrm>
-      </p:grpSpPr>
-      <p:sp>
-        <p:nvSpPr>
-          <p:cNvPr id="3" name="Content Placeholder 2">
-            <a:extLst>
-              <a:ext uri="{FF2B5EF4-FFF2-40B4-BE49-F238E27FC236}">
-                <a16:creationId xmlns:a16="http://schemas.microsoft.com/office/drawing/2014/main" id="{E46C23FD-2615-427C-89AA-75DA1D31A864}"/>
-              </a:ext>
-            </a:extLst>
-          </p:cNvPr>
-          <p:cNvSpPr>
-            <a:spLocks noGrp="1"/>
-          </p:cNvSpPr>
-          <p:nvPr>
-            <p:ph idx="1"/>
-          </p:nvPr>
-        </p:nvSpPr>
-        <p:spPr>
-          <a:xfrm>
-            <a:off x="217503" y="994300"/>
-            <a:ext cx="8708994" cy="5182664"/>
-          </a:xfrm>
-        </p:spPr>
-        <p:txBody>
-          <a:bodyPr/>
-          <a:lstStyle/>
-          <a:p>
-            <a:pPr marL="0" indent="0">
-              <a:buNone/>
-            </a:pPr>
-            <a:r>
-              <a:rPr lang="en-US" dirty="0"/>
-              <a:t>Public repositories are visible and accessible by anyone.</a:t>
-            </a:r>
-          </a:p>
-          <a:p>
-            <a:pPr marL="0" indent="0">
-              <a:buNone/>
-            </a:pPr>
-            <a:endParaRPr lang="en-US" dirty="0"/>
-          </a:p>
-          <a:p>
-            <a:pPr marL="0" indent="0">
-              <a:buNone/>
-            </a:pPr>
-            <a:r>
-              <a:rPr lang="en-US" dirty="0"/>
-              <a:t>Private repositories are only visible and accessible by the owner (and/or group in the case of group repositories).</a:t>
-            </a:r>
-          </a:p>
-          <a:p>
-            <a:pPr marL="0" indent="0">
-              <a:buNone/>
-            </a:pPr>
-            <a:endParaRPr lang="en-US" dirty="0"/>
-          </a:p>
-          <a:p>
-            <a:pPr marL="0" indent="0">
-              <a:buNone/>
-            </a:pPr>
-            <a:r>
-              <a:rPr lang="en-US" dirty="0"/>
-              <a:t>OSF and GitHub integrate.</a:t>
-            </a:r>
-          </a:p>
-          <a:p>
-            <a:pPr marL="0" indent="0">
-              <a:buNone/>
-            </a:pPr>
-            <a:endParaRPr lang="en-US" dirty="0"/>
-          </a:p>
-          <a:p>
-            <a:pPr marL="0" indent="0">
-              <a:buNone/>
-            </a:pPr>
-            <a:r>
-              <a:rPr lang="en-US" dirty="0"/>
-              <a:t>My lab has a private group -&gt; public repository workflow.</a:t>
-            </a:r>
-          </a:p>
-        </p:txBody>
-      </p:sp>
-      <p:sp>
-        <p:nvSpPr>
-          <p:cNvPr id="7" name="Title 1">
-            <a:extLst>
-              <a:ext uri="{FF2B5EF4-FFF2-40B4-BE49-F238E27FC236}">
-                <a16:creationId xmlns:a16="http://schemas.microsoft.com/office/drawing/2014/main" id="{63542CC7-D919-4D1A-98E6-862F6A2D8D28}"/>
-              </a:ext>
-            </a:extLst>
-          </p:cNvPr>
-          <p:cNvSpPr>
-            <a:spLocks noGrp="1"/>
-          </p:cNvSpPr>
-          <p:nvPr>
-            <p:ph type="title"/>
-          </p:nvPr>
-        </p:nvSpPr>
-        <p:spPr>
-          <a:xfrm>
-            <a:off x="628650" y="81040"/>
-            <a:ext cx="7886700" cy="691317"/>
-          </a:xfrm>
-        </p:spPr>
-        <p:txBody>
-          <a:bodyPr>
-            <a:normAutofit fontScale="90000"/>
-          </a:bodyPr>
-          <a:lstStyle/>
-          <a:p>
-            <a:r>
-              <a:rPr lang="en-US" dirty="0"/>
-              <a:t>Public vs. Private Repositories</a:t>
-            </a:r>
-          </a:p>
-        </p:txBody>
-      </p:sp>
-    </p:spTree>
-    <p:extLst>
-      <p:ext uri="{BB962C8B-B14F-4D97-AF65-F5344CB8AC3E}">
-        <p14:creationId xmlns:p14="http://schemas.microsoft.com/office/powerpoint/2010/main" val="2083837700"/>
-      </p:ext>
-    </p:extLst>
-  </p:cSld>
-  <p:clrMapOvr>
-    <a:masterClrMapping/>
-  </p:clrMapOvr>
-</p:sld>
-</file>
-
 <file path=ppt/slides/slide19.xml><?xml version="1.0" encoding="utf-8"?>
 <p:sld xmlns:a="http://schemas.openxmlformats.org/drawingml/2006/main" xmlns:r="http://schemas.openxmlformats.org/officeDocument/2006/relationships" xmlns:p="http://schemas.openxmlformats.org/presentationml/2006/main">
   <p:cSld>
@@ -6154,10 +8596,10 @@
       </p:grpSpPr>
       <p:sp>
         <p:nvSpPr>
-          <p:cNvPr id="2" name="Title 1">
+          <p:cNvPr id="3" name="Content Placeholder 2">
             <a:extLst>
               <a:ext uri="{FF2B5EF4-FFF2-40B4-BE49-F238E27FC236}">
-                <a16:creationId xmlns:a16="http://schemas.microsoft.com/office/drawing/2014/main" id="{09DE5058-CA98-4A76-B8BB-56ED6B02F3BD}"/>
+                <a16:creationId xmlns:a16="http://schemas.microsoft.com/office/drawing/2014/main" id="{E46C23FD-2615-427C-89AA-75DA1D31A864}"/>
               </a:ext>
             </a:extLst>
           </p:cNvPr>
@@ -6165,17 +8607,187 @@
             <a:spLocks noGrp="1"/>
           </p:cNvSpPr>
           <p:nvPr>
-            <p:ph type="title"/>
-          </p:nvPr>
-        </p:nvSpPr>
-        <p:spPr/>
+            <p:ph idx="1"/>
+          </p:nvPr>
+        </p:nvSpPr>
+        <p:spPr>
+          <a:xfrm>
+            <a:off x="217503" y="994299"/>
+            <a:ext cx="8708994" cy="5653243"/>
+          </a:xfrm>
+        </p:spPr>
         <p:txBody>
           <a:bodyPr/>
           <a:lstStyle/>
           <a:p>
+            <a:pPr marL="0" indent="0">
+              <a:buNone/>
+            </a:pPr>
+            <a:r>
+              <a:rPr lang="en-US" dirty="0">
+                <a:latin typeface="Garamond" panose="02020404030301010803" pitchFamily="18" charset="0"/>
+                <a:ea typeface="Batang" panose="020B0503020000020004" pitchFamily="18" charset="-127"/>
+                <a:cs typeface="Calibri Light" panose="020F0302020204030204" pitchFamily="34" charset="0"/>
+              </a:rPr>
+              <a:t>clone </a:t>
+            </a:r>
             <a:r>
               <a:rPr lang="en-US" dirty="0"/>
-              <a:t>Reverting a mistake</a:t>
+              <a:t>Copy a repository into your current folder</a:t>
+            </a:r>
+          </a:p>
+          <a:p>
+            <a:pPr marL="0" indent="0">
+              <a:buNone/>
+            </a:pPr>
+            <a:endParaRPr lang="en-US" dirty="0">
+              <a:latin typeface="Garamond" panose="02020404030301010803" pitchFamily="18" charset="0"/>
+              <a:ea typeface="Batang" panose="020B0503020000020004" pitchFamily="18" charset="-127"/>
+              <a:cs typeface="Calibri Light" panose="020F0302020204030204" pitchFamily="34" charset="0"/>
+            </a:endParaRPr>
+          </a:p>
+          <a:p>
+            <a:pPr marL="0" indent="0">
+              <a:buNone/>
+            </a:pPr>
+            <a:r>
+              <a:rPr lang="en-US" dirty="0">
+                <a:latin typeface="Garamond" panose="02020404030301010803" pitchFamily="18" charset="0"/>
+                <a:ea typeface="Batang" panose="020B0503020000020004" pitchFamily="18" charset="-127"/>
+                <a:cs typeface="Calibri Light" panose="020F0302020204030204" pitchFamily="34" charset="0"/>
+              </a:rPr>
+              <a:t>add </a:t>
+            </a:r>
+            <a:r>
+              <a:rPr lang="en-US" dirty="0"/>
+              <a:t>Tell git you want to add files</a:t>
+            </a:r>
+          </a:p>
+          <a:p>
+            <a:pPr marL="0" indent="0">
+              <a:buNone/>
+            </a:pPr>
+            <a:endParaRPr lang="en-US" dirty="0">
+              <a:latin typeface="Garamond" panose="02020404030301010803" pitchFamily="18" charset="0"/>
+              <a:ea typeface="Batang" panose="020B0503020000020004" pitchFamily="18" charset="-127"/>
+              <a:cs typeface="Calibri Light" panose="020F0302020204030204" pitchFamily="34" charset="0"/>
+            </a:endParaRPr>
+          </a:p>
+          <a:p>
+            <a:pPr marL="0" indent="0">
+              <a:buNone/>
+            </a:pPr>
+            <a:r>
+              <a:rPr lang="en-US" dirty="0">
+                <a:latin typeface="Garamond" panose="02020404030301010803" pitchFamily="18" charset="0"/>
+                <a:ea typeface="Batang" panose="020B0503020000020004" pitchFamily="18" charset="-127"/>
+                <a:cs typeface="Calibri Light" panose="020F0302020204030204" pitchFamily="34" charset="0"/>
+              </a:rPr>
+              <a:t>commit </a:t>
+            </a:r>
+            <a:r>
+              <a:rPr lang="en-US" dirty="0"/>
+              <a:t>Tell git you want to make changes to files</a:t>
+            </a:r>
+          </a:p>
+          <a:p>
+            <a:pPr marL="0" indent="0">
+              <a:buNone/>
+            </a:pPr>
+            <a:endParaRPr lang="en-US" dirty="0"/>
+          </a:p>
+          <a:p>
+            <a:pPr marL="0" indent="0">
+              <a:buNone/>
+            </a:pPr>
+            <a:r>
+              <a:rPr lang="en-US" dirty="0">
+                <a:latin typeface="Garamond" panose="02020404030301010803" pitchFamily="18" charset="0"/>
+                <a:ea typeface="Batang" panose="020B0503020000020004" pitchFamily="18" charset="-127"/>
+                <a:cs typeface="Calibri Light" panose="020F0302020204030204" pitchFamily="34" charset="0"/>
+              </a:rPr>
+              <a:t>push </a:t>
+            </a:r>
+            <a:r>
+              <a:rPr lang="en-US" dirty="0"/>
+              <a:t>Have git update your repository with current changes</a:t>
+            </a:r>
+          </a:p>
+          <a:p>
+            <a:pPr marL="0" indent="0">
+              <a:buNone/>
+            </a:pPr>
+            <a:endParaRPr lang="en-US" dirty="0"/>
+          </a:p>
+          <a:p>
+            <a:pPr marL="0" indent="0">
+              <a:buNone/>
+            </a:pPr>
+            <a:r>
+              <a:rPr lang="en-US" dirty="0"/>
+              <a:t>REMEMBER TO SAVE BEFOREHAND. </a:t>
+            </a:r>
+          </a:p>
+          <a:p>
+            <a:pPr marL="0" indent="0">
+              <a:buNone/>
+            </a:pPr>
+            <a:endParaRPr lang="en-US" dirty="0"/>
+          </a:p>
+          <a:p>
+            <a:pPr marL="0" indent="0">
+              <a:buNone/>
+            </a:pPr>
+            <a:r>
+              <a:rPr lang="en-US" dirty="0"/>
+              <a:t>Changes within files are only tracked for “raw text” files.</a:t>
+            </a:r>
+          </a:p>
+        </p:txBody>
+      </p:sp>
+      <p:sp>
+        <p:nvSpPr>
+          <p:cNvPr id="7" name="Title 1">
+            <a:extLst>
+              <a:ext uri="{FF2B5EF4-FFF2-40B4-BE49-F238E27FC236}">
+                <a16:creationId xmlns:a16="http://schemas.microsoft.com/office/drawing/2014/main" id="{63542CC7-D919-4D1A-98E6-862F6A2D8D28}"/>
+              </a:ext>
+            </a:extLst>
+          </p:cNvPr>
+          <p:cNvSpPr>
+            <a:spLocks noGrp="1"/>
+          </p:cNvSpPr>
+          <p:nvPr>
+            <p:ph type="title"/>
+          </p:nvPr>
+        </p:nvSpPr>
+        <p:spPr>
+          <a:xfrm>
+            <a:off x="628650" y="81040"/>
+            <a:ext cx="7886700" cy="691317"/>
+          </a:xfrm>
+        </p:spPr>
+        <p:txBody>
+          <a:bodyPr>
+            <a:normAutofit fontScale="90000"/>
+          </a:bodyPr>
+          <a:lstStyle/>
+          <a:p>
+            <a:r>
+              <a:rPr lang="en-US" dirty="0"/>
+              <a:t>Your first </a:t>
+            </a:r>
+            <a:r>
+              <a:rPr lang="en-US" dirty="0">
+                <a:latin typeface="Garamond" panose="02020404030301010803" pitchFamily="18" charset="0"/>
+                <a:ea typeface="Batang" panose="020B0503020000020004" pitchFamily="18" charset="-127"/>
+                <a:cs typeface="Calibri Light" panose="020F0302020204030204" pitchFamily="34" charset="0"/>
+              </a:rPr>
+              <a:t>git </a:t>
+            </a:r>
+            <a:r>
+              <a:rPr lang="en-US" dirty="0"/>
+              <a:t>commands</a:t>
             </a:r>
           </a:p>
         </p:txBody>
@@ -6183,13 +8795,288 @@
     </p:spTree>
     <p:extLst>
       <p:ext uri="{BB962C8B-B14F-4D97-AF65-F5344CB8AC3E}">
-        <p14:creationId xmlns:p14="http://schemas.microsoft.com/office/powerpoint/2010/main" val="1798141134"/>
+        <p14:creationId xmlns:p14="http://schemas.microsoft.com/office/powerpoint/2010/main" val="4174355351"/>
       </p:ext>
     </p:extLst>
   </p:cSld>
   <p:clrMapOvr>
     <a:masterClrMapping/>
   </p:clrMapOvr>
+  <p:timing>
+    <p:tnLst>
+      <p:par>
+        <p:cTn id="1" dur="indefinite" restart="never" nodeType="tmRoot">
+          <p:childTnLst>
+            <p:seq concurrent="1" nextAc="seek">
+              <p:cTn id="2" dur="indefinite" nodeType="mainSeq">
+                <p:childTnLst>
+                  <p:par>
+                    <p:cTn id="3" fill="hold">
+                      <p:stCondLst>
+                        <p:cond delay="indefinite"/>
+                      </p:stCondLst>
+                      <p:childTnLst>
+                        <p:par>
+                          <p:cTn id="4" fill="hold">
+                            <p:stCondLst>
+                              <p:cond delay="0"/>
+                            </p:stCondLst>
+                            <p:childTnLst>
+                              <p:par>
+                                <p:cTn id="5" presetID="1" presetClass="entr" presetSubtype="0" fill="hold" nodeType="clickEffect">
+                                  <p:stCondLst>
+                                    <p:cond delay="0"/>
+                                  </p:stCondLst>
+                                  <p:childTnLst>
+                                    <p:set>
+                                      <p:cBhvr>
+                                        <p:cTn id="6" dur="1" fill="hold">
+                                          <p:stCondLst>
+                                            <p:cond delay="0"/>
+                                          </p:stCondLst>
+                                        </p:cTn>
+                                        <p:tgtEl>
+                                          <p:spTgt spid="3">
+                                            <p:txEl>
+                                              <p:pRg st="2" end="2"/>
+                                            </p:txEl>
+                                          </p:spTgt>
+                                        </p:tgtEl>
+                                        <p:attrNameLst>
+                                          <p:attrName>style.visibility</p:attrName>
+                                        </p:attrNameLst>
+                                      </p:cBhvr>
+                                      <p:to>
+                                        <p:strVal val="visible"/>
+                                      </p:to>
+                                    </p:set>
+                                  </p:childTnLst>
+                                </p:cTn>
+                              </p:par>
+                            </p:childTnLst>
+                          </p:cTn>
+                        </p:par>
+                      </p:childTnLst>
+                    </p:cTn>
+                  </p:par>
+                  <p:par>
+                    <p:cTn id="7" fill="hold">
+                      <p:stCondLst>
+                        <p:cond delay="indefinite"/>
+                      </p:stCondLst>
+                      <p:childTnLst>
+                        <p:par>
+                          <p:cTn id="8" fill="hold">
+                            <p:stCondLst>
+                              <p:cond delay="0"/>
+                            </p:stCondLst>
+                            <p:childTnLst>
+                              <p:par>
+                                <p:cTn id="9" presetID="1" presetClass="entr" presetSubtype="0" fill="hold" nodeType="clickEffect">
+                                  <p:stCondLst>
+                                    <p:cond delay="0"/>
+                                  </p:stCondLst>
+                                  <p:childTnLst>
+                                    <p:set>
+                                      <p:cBhvr>
+                                        <p:cTn id="10" dur="1" fill="hold">
+                                          <p:stCondLst>
+                                            <p:cond delay="0"/>
+                                          </p:stCondLst>
+                                        </p:cTn>
+                                        <p:tgtEl>
+                                          <p:spTgt spid="3">
+                                            <p:txEl>
+                                              <p:pRg st="4" end="4"/>
+                                            </p:txEl>
+                                          </p:spTgt>
+                                        </p:tgtEl>
+                                        <p:attrNameLst>
+                                          <p:attrName>style.visibility</p:attrName>
+                                        </p:attrNameLst>
+                                      </p:cBhvr>
+                                      <p:to>
+                                        <p:strVal val="visible"/>
+                                      </p:to>
+                                    </p:set>
+                                  </p:childTnLst>
+                                </p:cTn>
+                              </p:par>
+                            </p:childTnLst>
+                          </p:cTn>
+                        </p:par>
+                      </p:childTnLst>
+                    </p:cTn>
+                  </p:par>
+                  <p:par>
+                    <p:cTn id="11" fill="hold">
+                      <p:stCondLst>
+                        <p:cond delay="indefinite"/>
+                      </p:stCondLst>
+                      <p:childTnLst>
+                        <p:par>
+                          <p:cTn id="12" fill="hold">
+                            <p:stCondLst>
+                              <p:cond delay="0"/>
+                            </p:stCondLst>
+                            <p:childTnLst>
+                              <p:par>
+                                <p:cTn id="13" presetID="1" presetClass="entr" presetSubtype="0" fill="hold" nodeType="clickEffect">
+                                  <p:stCondLst>
+                                    <p:cond delay="0"/>
+                                  </p:stCondLst>
+                                  <p:childTnLst>
+                                    <p:set>
+                                      <p:cBhvr>
+                                        <p:cTn id="14" dur="1" fill="hold">
+                                          <p:stCondLst>
+                                            <p:cond delay="0"/>
+                                          </p:stCondLst>
+                                        </p:cTn>
+                                        <p:tgtEl>
+                                          <p:spTgt spid="3">
+                                            <p:txEl>
+                                              <p:pRg st="6" end="6"/>
+                                            </p:txEl>
+                                          </p:spTgt>
+                                        </p:tgtEl>
+                                        <p:attrNameLst>
+                                          <p:attrName>style.visibility</p:attrName>
+                                        </p:attrNameLst>
+                                      </p:cBhvr>
+                                      <p:to>
+                                        <p:strVal val="visible"/>
+                                      </p:to>
+                                    </p:set>
+                                  </p:childTnLst>
+                                </p:cTn>
+                              </p:par>
+                            </p:childTnLst>
+                          </p:cTn>
+                        </p:par>
+                      </p:childTnLst>
+                    </p:cTn>
+                  </p:par>
+                  <p:par>
+                    <p:cTn id="15" fill="hold">
+                      <p:stCondLst>
+                        <p:cond delay="indefinite"/>
+                      </p:stCondLst>
+                      <p:childTnLst>
+                        <p:par>
+                          <p:cTn id="16" fill="hold">
+                            <p:stCondLst>
+                              <p:cond delay="0"/>
+                            </p:stCondLst>
+                            <p:childTnLst>
+                              <p:par>
+                                <p:cTn id="17" presetID="1" presetClass="entr" presetSubtype="0" fill="hold" nodeType="clickEffect">
+                                  <p:stCondLst>
+                                    <p:cond delay="0"/>
+                                  </p:stCondLst>
+                                  <p:childTnLst>
+                                    <p:set>
+                                      <p:cBhvr>
+                                        <p:cTn id="18" dur="1" fill="hold">
+                                          <p:stCondLst>
+                                            <p:cond delay="0"/>
+                                          </p:stCondLst>
+                                        </p:cTn>
+                                        <p:tgtEl>
+                                          <p:spTgt spid="3">
+                                            <p:txEl>
+                                              <p:pRg st="8" end="8"/>
+                                            </p:txEl>
+                                          </p:spTgt>
+                                        </p:tgtEl>
+                                        <p:attrNameLst>
+                                          <p:attrName>style.visibility</p:attrName>
+                                        </p:attrNameLst>
+                                      </p:cBhvr>
+                                      <p:to>
+                                        <p:strVal val="visible"/>
+                                      </p:to>
+                                    </p:set>
+                                  </p:childTnLst>
+                                </p:cTn>
+                              </p:par>
+                            </p:childTnLst>
+                          </p:cTn>
+                        </p:par>
+                      </p:childTnLst>
+                    </p:cTn>
+                  </p:par>
+                  <p:par>
+                    <p:cTn id="19" fill="hold">
+                      <p:stCondLst>
+                        <p:cond delay="indefinite"/>
+                      </p:stCondLst>
+                      <p:childTnLst>
+                        <p:par>
+                          <p:cTn id="20" fill="hold">
+                            <p:stCondLst>
+                              <p:cond delay="0"/>
+                            </p:stCondLst>
+                            <p:childTnLst>
+                              <p:par>
+                                <p:cTn id="21" presetID="1" presetClass="entr" presetSubtype="0" fill="hold" nodeType="clickEffect">
+                                  <p:stCondLst>
+                                    <p:cond delay="0"/>
+                                  </p:stCondLst>
+                                  <p:childTnLst>
+                                    <p:set>
+                                      <p:cBhvr>
+                                        <p:cTn id="22" dur="1" fill="hold">
+                                          <p:stCondLst>
+                                            <p:cond delay="0"/>
+                                          </p:stCondLst>
+                                        </p:cTn>
+                                        <p:tgtEl>
+                                          <p:spTgt spid="3">
+                                            <p:txEl>
+                                              <p:pRg st="10" end="10"/>
+                                            </p:txEl>
+                                          </p:spTgt>
+                                        </p:tgtEl>
+                                        <p:attrNameLst>
+                                          <p:attrName>style.visibility</p:attrName>
+                                        </p:attrNameLst>
+                                      </p:cBhvr>
+                                      <p:to>
+                                        <p:strVal val="visible"/>
+                                      </p:to>
+                                    </p:set>
+                                  </p:childTnLst>
+                                </p:cTn>
+                              </p:par>
+                            </p:childTnLst>
+                          </p:cTn>
+                        </p:par>
+                      </p:childTnLst>
+                    </p:cTn>
+                  </p:par>
+                </p:childTnLst>
+              </p:cTn>
+              <p:prevCondLst>
+                <p:cond evt="onPrev" delay="0">
+                  <p:tgtEl>
+                    <p:sldTgt/>
+                  </p:tgtEl>
+                </p:cond>
+              </p:prevCondLst>
+              <p:nextCondLst>
+                <p:cond evt="onNext" delay="0">
+                  <p:tgtEl>
+                    <p:sldTgt/>
+                  </p:tgtEl>
+                </p:cond>
+              </p:nextCondLst>
+            </p:seq>
+          </p:childTnLst>
+        </p:cTn>
+      </p:par>
+    </p:tnLst>
+  </p:timing>
 </p:sld>
 </file>
 
@@ -6275,6 +9162,620 @@
           <p:cNvPr id="2" name="Title 1">
             <a:extLst>
               <a:ext uri="{FF2B5EF4-FFF2-40B4-BE49-F238E27FC236}">
+                <a16:creationId xmlns:a16="http://schemas.microsoft.com/office/drawing/2014/main" id="{4EE9EE95-07F7-4C6E-9C2F-C831F897C8BE}"/>
+              </a:ext>
+            </a:extLst>
+          </p:cNvPr>
+          <p:cNvSpPr>
+            <a:spLocks noGrp="1"/>
+          </p:cNvSpPr>
+          <p:nvPr>
+            <p:ph type="title"/>
+          </p:nvPr>
+        </p:nvSpPr>
+        <p:spPr>
+          <a:xfrm>
+            <a:off x="628650" y="176441"/>
+            <a:ext cx="7886700" cy="629174"/>
+          </a:xfrm>
+        </p:spPr>
+        <p:txBody>
+          <a:bodyPr>
+            <a:normAutofit fontScale="90000"/>
+          </a:bodyPr>
+          <a:lstStyle/>
+          <a:p>
+            <a:r>
+              <a:rPr lang="en-US" dirty="0"/>
+              <a:t>RStudio demo</a:t>
+            </a:r>
+          </a:p>
+        </p:txBody>
+      </p:sp>
+      <p:sp>
+        <p:nvSpPr>
+          <p:cNvPr id="3" name="Content Placeholder 2">
+            <a:extLst>
+              <a:ext uri="{FF2B5EF4-FFF2-40B4-BE49-F238E27FC236}">
+                <a16:creationId xmlns:a16="http://schemas.microsoft.com/office/drawing/2014/main" id="{384D4AEB-0D51-4531-B62D-A70411124F09}"/>
+              </a:ext>
+            </a:extLst>
+          </p:cNvPr>
+          <p:cNvSpPr>
+            <a:spLocks noGrp="1"/>
+          </p:cNvSpPr>
+          <p:nvPr>
+            <p:ph idx="1"/>
+          </p:nvPr>
+        </p:nvSpPr>
+        <p:spPr>
+          <a:xfrm>
+            <a:off x="217503" y="994300"/>
+            <a:ext cx="8708994" cy="5182664"/>
+          </a:xfrm>
+        </p:spPr>
+        <p:txBody>
+          <a:bodyPr/>
+          <a:lstStyle/>
+          <a:p>
+            <a:pPr marL="0" indent="0" algn="just">
+              <a:buNone/>
+            </a:pPr>
+            <a:r>
+              <a:rPr lang="en-US" dirty="0"/>
+              <a:t>Create the repository on GitHub </a:t>
+            </a:r>
+            <a:r>
+              <a:rPr lang="en-US" b="1" u="sng" dirty="0"/>
+              <a:t>first.</a:t>
+            </a:r>
+            <a:r>
+              <a:rPr lang="en-US" dirty="0"/>
+              <a:t> </a:t>
+            </a:r>
+          </a:p>
+          <a:p>
+            <a:pPr marL="0" indent="0" algn="just">
+              <a:buNone/>
+            </a:pPr>
+            <a:endParaRPr lang="en-US" dirty="0"/>
+          </a:p>
+          <a:p>
+            <a:pPr marL="0" indent="0" algn="just">
+              <a:buNone/>
+            </a:pPr>
+            <a:r>
+              <a:rPr lang="en-US" dirty="0"/>
+              <a:t>You can create a local git repository with a new R project, but you cannot “push” that repository to GitHub.*</a:t>
+            </a:r>
+          </a:p>
+          <a:p>
+            <a:pPr marL="0" indent="0" algn="just">
+              <a:buNone/>
+            </a:pPr>
+            <a:endParaRPr lang="en-US" dirty="0"/>
+          </a:p>
+          <a:p>
+            <a:pPr marL="0" indent="0" algn="just">
+              <a:buNone/>
+            </a:pPr>
+            <a:endParaRPr lang="en-US" dirty="0"/>
+          </a:p>
+          <a:p>
+            <a:pPr marL="0" indent="0" algn="just">
+              <a:buNone/>
+            </a:pPr>
+            <a:endParaRPr lang="en-US" dirty="0"/>
+          </a:p>
+          <a:p>
+            <a:pPr marL="0" indent="0" algn="just">
+              <a:buNone/>
+            </a:pPr>
+            <a:endParaRPr lang="en-US" dirty="0"/>
+          </a:p>
+          <a:p>
+            <a:pPr marL="0" indent="0" algn="just">
+              <a:buNone/>
+            </a:pPr>
+            <a:r>
+              <a:rPr lang="en-US" dirty="0"/>
+              <a:t>*Within RStudio. It is possible, but is beyond beginner </a:t>
+            </a:r>
+            <a:r>
+              <a:rPr lang="en-US" dirty="0">
+                <a:latin typeface="Garamond" panose="02020404030301010803" pitchFamily="18" charset="0"/>
+                <a:ea typeface="Batang" panose="020B0503020000020004" pitchFamily="18" charset="-127"/>
+                <a:cs typeface="Calibri Light" panose="020F0302020204030204" pitchFamily="34" charset="0"/>
+              </a:rPr>
+              <a:t>git</a:t>
+            </a:r>
+            <a:r>
+              <a:rPr lang="en-US" dirty="0"/>
+              <a:t>.</a:t>
+            </a:r>
+          </a:p>
+        </p:txBody>
+      </p:sp>
+    </p:spTree>
+    <p:extLst>
+      <p:ext uri="{BB962C8B-B14F-4D97-AF65-F5344CB8AC3E}">
+        <p14:creationId xmlns:p14="http://schemas.microsoft.com/office/powerpoint/2010/main" val="3274052902"/>
+      </p:ext>
+    </p:extLst>
+  </p:cSld>
+  <p:clrMapOvr>
+    <a:masterClrMapping/>
+  </p:clrMapOvr>
+</p:sld>
+</file>
+
+<file path=ppt/slides/slide21.xml><?xml version="1.0" encoding="utf-8"?>
+<p:sld xmlns:a="http://schemas.openxmlformats.org/drawingml/2006/main" xmlns:r="http://schemas.openxmlformats.org/officeDocument/2006/relationships" xmlns:p="http://schemas.openxmlformats.org/presentationml/2006/main">
+  <p:cSld>
+    <p:spTree>
+      <p:nvGrpSpPr>
+        <p:cNvPr id="1" name=""/>
+        <p:cNvGrpSpPr/>
+        <p:nvPr/>
+      </p:nvGrpSpPr>
+      <p:grpSpPr>
+        <a:xfrm>
+          <a:off x="0" y="0"/>
+          <a:ext cx="0" cy="0"/>
+          <a:chOff x="0" y="0"/>
+          <a:chExt cx="0" cy="0"/>
+        </a:xfrm>
+      </p:grpSpPr>
+      <p:sp>
+        <p:nvSpPr>
+          <p:cNvPr id="3" name="Content Placeholder 2">
+            <a:extLst>
+              <a:ext uri="{FF2B5EF4-FFF2-40B4-BE49-F238E27FC236}">
+                <a16:creationId xmlns:a16="http://schemas.microsoft.com/office/drawing/2014/main" id="{E46C23FD-2615-427C-89AA-75DA1D31A864}"/>
+              </a:ext>
+            </a:extLst>
+          </p:cNvPr>
+          <p:cNvSpPr>
+            <a:spLocks noGrp="1"/>
+          </p:cNvSpPr>
+          <p:nvPr>
+            <p:ph idx="1"/>
+          </p:nvPr>
+        </p:nvSpPr>
+        <p:spPr>
+          <a:xfrm>
+            <a:off x="217503" y="994300"/>
+            <a:ext cx="8708994" cy="5182664"/>
+          </a:xfrm>
+        </p:spPr>
+        <p:txBody>
+          <a:bodyPr/>
+          <a:lstStyle/>
+          <a:p>
+            <a:pPr marL="0" indent="0">
+              <a:buNone/>
+            </a:pPr>
+            <a:r>
+              <a:rPr lang="en-US" dirty="0"/>
+              <a:t>Public repositories are visible and accessible by anyone.</a:t>
+            </a:r>
+          </a:p>
+          <a:p>
+            <a:pPr marL="0" indent="0">
+              <a:buNone/>
+            </a:pPr>
+            <a:endParaRPr lang="en-US" dirty="0"/>
+          </a:p>
+          <a:p>
+            <a:pPr marL="0" indent="0">
+              <a:buNone/>
+            </a:pPr>
+            <a:r>
+              <a:rPr lang="en-US" dirty="0"/>
+              <a:t>Private repositories are only visible and accessible by the owner (and/or group in the case of group repositories).</a:t>
+            </a:r>
+          </a:p>
+          <a:p>
+            <a:pPr marL="0" indent="0">
+              <a:buNone/>
+            </a:pPr>
+            <a:endParaRPr lang="en-US" dirty="0"/>
+          </a:p>
+          <a:p>
+            <a:pPr marL="0" indent="0">
+              <a:buNone/>
+            </a:pPr>
+            <a:r>
+              <a:rPr lang="en-US" dirty="0"/>
+              <a:t>OSF and GitHub integrate.</a:t>
+            </a:r>
+          </a:p>
+          <a:p>
+            <a:pPr marL="0" indent="0">
+              <a:buNone/>
+            </a:pPr>
+            <a:endParaRPr lang="en-US" dirty="0"/>
+          </a:p>
+          <a:p>
+            <a:pPr marL="0" indent="0">
+              <a:buNone/>
+            </a:pPr>
+            <a:r>
+              <a:rPr lang="en-US" dirty="0"/>
+              <a:t>My lab has a private group -&gt; public repository workflow.</a:t>
+            </a:r>
+          </a:p>
+          <a:p>
+            <a:pPr marL="0" indent="0">
+              <a:buNone/>
+            </a:pPr>
+            <a:endParaRPr lang="en-US" dirty="0"/>
+          </a:p>
+          <a:p>
+            <a:pPr marL="0" indent="0">
+              <a:buNone/>
+            </a:pPr>
+            <a:r>
+              <a:rPr lang="en-US" dirty="0"/>
+              <a:t>It also integrates into Slack.</a:t>
+            </a:r>
+          </a:p>
+        </p:txBody>
+      </p:sp>
+      <p:sp>
+        <p:nvSpPr>
+          <p:cNvPr id="7" name="Title 1">
+            <a:extLst>
+              <a:ext uri="{FF2B5EF4-FFF2-40B4-BE49-F238E27FC236}">
+                <a16:creationId xmlns:a16="http://schemas.microsoft.com/office/drawing/2014/main" id="{63542CC7-D919-4D1A-98E6-862F6A2D8D28}"/>
+              </a:ext>
+            </a:extLst>
+          </p:cNvPr>
+          <p:cNvSpPr>
+            <a:spLocks noGrp="1"/>
+          </p:cNvSpPr>
+          <p:nvPr>
+            <p:ph type="title"/>
+          </p:nvPr>
+        </p:nvSpPr>
+        <p:spPr>
+          <a:xfrm>
+            <a:off x="628650" y="81040"/>
+            <a:ext cx="7886700" cy="691317"/>
+          </a:xfrm>
+        </p:spPr>
+        <p:txBody>
+          <a:bodyPr>
+            <a:normAutofit fontScale="90000"/>
+          </a:bodyPr>
+          <a:lstStyle/>
+          <a:p>
+            <a:r>
+              <a:rPr lang="en-US" dirty="0"/>
+              <a:t>Public vs. Private Repositories</a:t>
+            </a:r>
+          </a:p>
+        </p:txBody>
+      </p:sp>
+    </p:spTree>
+    <p:extLst>
+      <p:ext uri="{BB962C8B-B14F-4D97-AF65-F5344CB8AC3E}">
+        <p14:creationId xmlns:p14="http://schemas.microsoft.com/office/powerpoint/2010/main" val="2083837700"/>
+      </p:ext>
+    </p:extLst>
+  </p:cSld>
+  <p:clrMapOvr>
+    <a:masterClrMapping/>
+  </p:clrMapOvr>
+  <p:timing>
+    <p:tnLst>
+      <p:par>
+        <p:cTn id="1" dur="indefinite" restart="never" nodeType="tmRoot">
+          <p:childTnLst>
+            <p:seq concurrent="1" nextAc="seek">
+              <p:cTn id="2" dur="indefinite" nodeType="mainSeq">
+                <p:childTnLst>
+                  <p:par>
+                    <p:cTn id="3" fill="hold">
+                      <p:stCondLst>
+                        <p:cond delay="indefinite"/>
+                      </p:stCondLst>
+                      <p:childTnLst>
+                        <p:par>
+                          <p:cTn id="4" fill="hold">
+                            <p:stCondLst>
+                              <p:cond delay="0"/>
+                            </p:stCondLst>
+                            <p:childTnLst>
+                              <p:par>
+                                <p:cTn id="5" presetID="1" presetClass="entr" presetSubtype="0" fill="hold" nodeType="clickEffect">
+                                  <p:stCondLst>
+                                    <p:cond delay="0"/>
+                                  </p:stCondLst>
+                                  <p:childTnLst>
+                                    <p:set>
+                                      <p:cBhvr>
+                                        <p:cTn id="6" dur="1" fill="hold">
+                                          <p:stCondLst>
+                                            <p:cond delay="0"/>
+                                          </p:stCondLst>
+                                        </p:cTn>
+                                        <p:tgtEl>
+                                          <p:spTgt spid="3">
+                                            <p:txEl>
+                                              <p:pRg st="2" end="2"/>
+                                            </p:txEl>
+                                          </p:spTgt>
+                                        </p:tgtEl>
+                                        <p:attrNameLst>
+                                          <p:attrName>style.visibility</p:attrName>
+                                        </p:attrNameLst>
+                                      </p:cBhvr>
+                                      <p:to>
+                                        <p:strVal val="visible"/>
+                                      </p:to>
+                                    </p:set>
+                                  </p:childTnLst>
+                                </p:cTn>
+                              </p:par>
+                            </p:childTnLst>
+                          </p:cTn>
+                        </p:par>
+                      </p:childTnLst>
+                    </p:cTn>
+                  </p:par>
+                  <p:par>
+                    <p:cTn id="7" fill="hold">
+                      <p:stCondLst>
+                        <p:cond delay="indefinite"/>
+                      </p:stCondLst>
+                      <p:childTnLst>
+                        <p:par>
+                          <p:cTn id="8" fill="hold">
+                            <p:stCondLst>
+                              <p:cond delay="0"/>
+                            </p:stCondLst>
+                            <p:childTnLst>
+                              <p:par>
+                                <p:cTn id="9" presetID="1" presetClass="entr" presetSubtype="0" fill="hold" nodeType="clickEffect">
+                                  <p:stCondLst>
+                                    <p:cond delay="0"/>
+                                  </p:stCondLst>
+                                  <p:childTnLst>
+                                    <p:set>
+                                      <p:cBhvr>
+                                        <p:cTn id="10" dur="1" fill="hold">
+                                          <p:stCondLst>
+                                            <p:cond delay="0"/>
+                                          </p:stCondLst>
+                                        </p:cTn>
+                                        <p:tgtEl>
+                                          <p:spTgt spid="3">
+                                            <p:txEl>
+                                              <p:pRg st="4" end="4"/>
+                                            </p:txEl>
+                                          </p:spTgt>
+                                        </p:tgtEl>
+                                        <p:attrNameLst>
+                                          <p:attrName>style.visibility</p:attrName>
+                                        </p:attrNameLst>
+                                      </p:cBhvr>
+                                      <p:to>
+                                        <p:strVal val="visible"/>
+                                      </p:to>
+                                    </p:set>
+                                  </p:childTnLst>
+                                </p:cTn>
+                              </p:par>
+                            </p:childTnLst>
+                          </p:cTn>
+                        </p:par>
+                      </p:childTnLst>
+                    </p:cTn>
+                  </p:par>
+                  <p:par>
+                    <p:cTn id="11" fill="hold">
+                      <p:stCondLst>
+                        <p:cond delay="indefinite"/>
+                      </p:stCondLst>
+                      <p:childTnLst>
+                        <p:par>
+                          <p:cTn id="12" fill="hold">
+                            <p:stCondLst>
+                              <p:cond delay="0"/>
+                            </p:stCondLst>
+                            <p:childTnLst>
+                              <p:par>
+                                <p:cTn id="13" presetID="1" presetClass="entr" presetSubtype="0" fill="hold" nodeType="clickEffect">
+                                  <p:stCondLst>
+                                    <p:cond delay="0"/>
+                                  </p:stCondLst>
+                                  <p:childTnLst>
+                                    <p:set>
+                                      <p:cBhvr>
+                                        <p:cTn id="14" dur="1" fill="hold">
+                                          <p:stCondLst>
+                                            <p:cond delay="0"/>
+                                          </p:stCondLst>
+                                        </p:cTn>
+                                        <p:tgtEl>
+                                          <p:spTgt spid="3">
+                                            <p:txEl>
+                                              <p:pRg st="6" end="6"/>
+                                            </p:txEl>
+                                          </p:spTgt>
+                                        </p:tgtEl>
+                                        <p:attrNameLst>
+                                          <p:attrName>style.visibility</p:attrName>
+                                        </p:attrNameLst>
+                                      </p:cBhvr>
+                                      <p:to>
+                                        <p:strVal val="visible"/>
+                                      </p:to>
+                                    </p:set>
+                                  </p:childTnLst>
+                                </p:cTn>
+                              </p:par>
+                            </p:childTnLst>
+                          </p:cTn>
+                        </p:par>
+                      </p:childTnLst>
+                    </p:cTn>
+                  </p:par>
+                  <p:par>
+                    <p:cTn id="15" fill="hold">
+                      <p:stCondLst>
+                        <p:cond delay="indefinite"/>
+                      </p:stCondLst>
+                      <p:childTnLst>
+                        <p:par>
+                          <p:cTn id="16" fill="hold">
+                            <p:stCondLst>
+                              <p:cond delay="0"/>
+                            </p:stCondLst>
+                            <p:childTnLst>
+                              <p:par>
+                                <p:cTn id="17" presetID="1" presetClass="entr" presetSubtype="0" fill="hold" nodeType="clickEffect">
+                                  <p:stCondLst>
+                                    <p:cond delay="0"/>
+                                  </p:stCondLst>
+                                  <p:childTnLst>
+                                    <p:set>
+                                      <p:cBhvr>
+                                        <p:cTn id="18" dur="1" fill="hold">
+                                          <p:stCondLst>
+                                            <p:cond delay="0"/>
+                                          </p:stCondLst>
+                                        </p:cTn>
+                                        <p:tgtEl>
+                                          <p:spTgt spid="3">
+                                            <p:txEl>
+                                              <p:pRg st="8" end="8"/>
+                                            </p:txEl>
+                                          </p:spTgt>
+                                        </p:tgtEl>
+                                        <p:attrNameLst>
+                                          <p:attrName>style.visibility</p:attrName>
+                                        </p:attrNameLst>
+                                      </p:cBhvr>
+                                      <p:to>
+                                        <p:strVal val="visible"/>
+                                      </p:to>
+                                    </p:set>
+                                  </p:childTnLst>
+                                </p:cTn>
+                              </p:par>
+                            </p:childTnLst>
+                          </p:cTn>
+                        </p:par>
+                      </p:childTnLst>
+                    </p:cTn>
+                  </p:par>
+                </p:childTnLst>
+              </p:cTn>
+              <p:prevCondLst>
+                <p:cond evt="onPrev" delay="0">
+                  <p:tgtEl>
+                    <p:sldTgt/>
+                  </p:tgtEl>
+                </p:cond>
+              </p:prevCondLst>
+              <p:nextCondLst>
+                <p:cond evt="onNext" delay="0">
+                  <p:tgtEl>
+                    <p:sldTgt/>
+                  </p:tgtEl>
+                </p:cond>
+              </p:nextCondLst>
+            </p:seq>
+          </p:childTnLst>
+        </p:cTn>
+      </p:par>
+    </p:tnLst>
+  </p:timing>
+</p:sld>
+</file>
+
+<file path=ppt/slides/slide22.xml><?xml version="1.0" encoding="utf-8"?>
+<p:sld xmlns:a="http://schemas.openxmlformats.org/drawingml/2006/main" xmlns:r="http://schemas.openxmlformats.org/officeDocument/2006/relationships" xmlns:p="http://schemas.openxmlformats.org/presentationml/2006/main">
+  <p:cSld>
+    <p:spTree>
+      <p:nvGrpSpPr>
+        <p:cNvPr id="1" name=""/>
+        <p:cNvGrpSpPr/>
+        <p:nvPr/>
+      </p:nvGrpSpPr>
+      <p:grpSpPr>
+        <a:xfrm>
+          <a:off x="0" y="0"/>
+          <a:ext cx="0" cy="0"/>
+          <a:chOff x="0" y="0"/>
+          <a:chExt cx="0" cy="0"/>
+        </a:xfrm>
+      </p:grpSpPr>
+      <p:sp>
+        <p:nvSpPr>
+          <p:cNvPr id="2" name="Title 1">
+            <a:extLst>
+              <a:ext uri="{FF2B5EF4-FFF2-40B4-BE49-F238E27FC236}">
+                <a16:creationId xmlns:a16="http://schemas.microsoft.com/office/drawing/2014/main" id="{09DE5058-CA98-4A76-B8BB-56ED6B02F3BD}"/>
+              </a:ext>
+            </a:extLst>
+          </p:cNvPr>
+          <p:cNvSpPr>
+            <a:spLocks noGrp="1"/>
+          </p:cNvSpPr>
+          <p:nvPr>
+            <p:ph type="title"/>
+          </p:nvPr>
+        </p:nvSpPr>
+        <p:spPr/>
+        <p:txBody>
+          <a:bodyPr/>
+          <a:lstStyle/>
+          <a:p>
+            <a:r>
+              <a:rPr lang="en-US" dirty="0"/>
+              <a:t>Reverting a mistake</a:t>
+            </a:r>
+          </a:p>
+        </p:txBody>
+      </p:sp>
+    </p:spTree>
+    <p:extLst>
+      <p:ext uri="{BB962C8B-B14F-4D97-AF65-F5344CB8AC3E}">
+        <p14:creationId xmlns:p14="http://schemas.microsoft.com/office/powerpoint/2010/main" val="1798141134"/>
+      </p:ext>
+    </p:extLst>
+  </p:cSld>
+  <p:clrMapOvr>
+    <a:masterClrMapping/>
+  </p:clrMapOvr>
+</p:sld>
+</file>
+
+<file path=ppt/slides/slide23.xml><?xml version="1.0" encoding="utf-8"?>
+<p:sld xmlns:a="http://schemas.openxmlformats.org/drawingml/2006/main" xmlns:r="http://schemas.openxmlformats.org/officeDocument/2006/relationships" xmlns:p="http://schemas.openxmlformats.org/presentationml/2006/main">
+  <p:cSld>
+    <p:spTree>
+      <p:nvGrpSpPr>
+        <p:cNvPr id="1" name=""/>
+        <p:cNvGrpSpPr/>
+        <p:nvPr/>
+      </p:nvGrpSpPr>
+      <p:grpSpPr>
+        <a:xfrm>
+          <a:off x="0" y="0"/>
+          <a:ext cx="0" cy="0"/>
+          <a:chOff x="0" y="0"/>
+          <a:chExt cx="0" cy="0"/>
+        </a:xfrm>
+      </p:grpSpPr>
+      <p:sp>
+        <p:nvSpPr>
+          <p:cNvPr id="2" name="Title 1">
+            <a:extLst>
+              <a:ext uri="{FF2B5EF4-FFF2-40B4-BE49-F238E27FC236}">
                 <a16:creationId xmlns:a16="http://schemas.microsoft.com/office/drawing/2014/main" id="{031EE41F-E500-4C50-B0FF-55546807679E}"/>
               </a:ext>
             </a:extLst>
@@ -6311,7 +9812,7 @@
 </p:sld>
 </file>
 
-<file path=ppt/slides/slide21.xml><?xml version="1.0" encoding="utf-8"?>
+<file path=ppt/slides/slide24.xml><?xml version="1.0" encoding="utf-8"?>
 <p:sld xmlns:a="http://schemas.openxmlformats.org/drawingml/2006/main" xmlns:r="http://schemas.openxmlformats.org/officeDocument/2006/relationships" xmlns:p="http://schemas.openxmlformats.org/presentationml/2006/main">
   <p:cSld>
     <p:spTree>
@@ -6444,6 +9945,115 @@
     <p:extLst>
       <p:ext uri="{BB962C8B-B14F-4D97-AF65-F5344CB8AC3E}">
         <p14:creationId xmlns:p14="http://schemas.microsoft.com/office/powerpoint/2010/main" val="3382181074"/>
+      </p:ext>
+    </p:extLst>
+  </p:cSld>
+  <p:clrMapOvr>
+    <a:masterClrMapping/>
+  </p:clrMapOvr>
+</p:sld>
+</file>
+
+<file path=ppt/slides/slide25.xml><?xml version="1.0" encoding="utf-8"?>
+<p:sld xmlns:a="http://schemas.openxmlformats.org/drawingml/2006/main" xmlns:r="http://schemas.openxmlformats.org/officeDocument/2006/relationships" xmlns:p="http://schemas.openxmlformats.org/presentationml/2006/main">
+  <p:cSld>
+    <p:spTree>
+      <p:nvGrpSpPr>
+        <p:cNvPr id="1" name=""/>
+        <p:cNvGrpSpPr/>
+        <p:nvPr/>
+      </p:nvGrpSpPr>
+      <p:grpSpPr>
+        <a:xfrm>
+          <a:off x="0" y="0"/>
+          <a:ext cx="0" cy="0"/>
+          <a:chOff x="0" y="0"/>
+          <a:chExt cx="0" cy="0"/>
+        </a:xfrm>
+      </p:grpSpPr>
+      <p:sp>
+        <p:nvSpPr>
+          <p:cNvPr id="2" name="Title 1">
+            <a:extLst>
+              <a:ext uri="{FF2B5EF4-FFF2-40B4-BE49-F238E27FC236}">
+                <a16:creationId xmlns:a16="http://schemas.microsoft.com/office/drawing/2014/main" id="{2447628C-4DAC-41F1-B2C9-40063AE95E74}"/>
+              </a:ext>
+            </a:extLst>
+          </p:cNvPr>
+          <p:cNvSpPr>
+            <a:spLocks noGrp="1"/>
+          </p:cNvSpPr>
+          <p:nvPr>
+            <p:ph type="title"/>
+          </p:nvPr>
+        </p:nvSpPr>
+        <p:spPr/>
+        <p:txBody>
+          <a:bodyPr/>
+          <a:lstStyle/>
+          <a:p>
+            <a:r>
+              <a:rPr lang="en-US" dirty="0"/>
+              <a:t>Stay calm</a:t>
+            </a:r>
+          </a:p>
+        </p:txBody>
+      </p:sp>
+      <p:sp>
+        <p:nvSpPr>
+          <p:cNvPr id="3" name="Content Placeholder 2">
+            <a:extLst>
+              <a:ext uri="{FF2B5EF4-FFF2-40B4-BE49-F238E27FC236}">
+                <a16:creationId xmlns:a16="http://schemas.microsoft.com/office/drawing/2014/main" id="{D871FAA3-5488-4393-A34D-5A24E0272711}"/>
+              </a:ext>
+            </a:extLst>
+          </p:cNvPr>
+          <p:cNvSpPr>
+            <a:spLocks noGrp="1"/>
+          </p:cNvSpPr>
+          <p:nvPr>
+            <p:ph idx="1"/>
+          </p:nvPr>
+        </p:nvSpPr>
+        <p:spPr>
+          <a:xfrm>
+            <a:off x="628649" y="1825625"/>
+            <a:ext cx="8170793" cy="4351338"/>
+          </a:xfrm>
+        </p:spPr>
+        <p:txBody>
+          <a:bodyPr/>
+          <a:lstStyle/>
+          <a:p>
+            <a:pPr marL="0" indent="0">
+              <a:buNone/>
+            </a:pPr>
+            <a:r>
+              <a:rPr lang="en-US" dirty="0"/>
+              <a:t>When errors and issues arise with committing, pushing, pulling, etc., look online for help.</a:t>
+            </a:r>
+          </a:p>
+          <a:p>
+            <a:pPr marL="0" indent="0">
+              <a:buNone/>
+            </a:pPr>
+            <a:endParaRPr lang="en-US" dirty="0"/>
+          </a:p>
+          <a:p>
+            <a:pPr marL="0" indent="0">
+              <a:buNone/>
+            </a:pPr>
+            <a:r>
+              <a:rPr lang="en-US" dirty="0"/>
+              <a:t>I included more resources in the GitHub Readme page.</a:t>
+            </a:r>
+          </a:p>
+        </p:txBody>
+      </p:sp>
+    </p:spTree>
+    <p:extLst>
+      <p:ext uri="{BB962C8B-B14F-4D97-AF65-F5344CB8AC3E}">
+        <p14:creationId xmlns:p14="http://schemas.microsoft.com/office/powerpoint/2010/main" val="700155883"/>
       </p:ext>
     </p:extLst>
   </p:cSld>
@@ -6953,8 +10563,13 @@
             </a:pPr>
             <a:r>
               <a:rPr lang="en-US" sz="2800" dirty="0"/>
-              <a:t>More Git</a:t>
-            </a:r>
+              <a:t>More </a:t>
+            </a:r>
+            <a:r>
+              <a:rPr lang="en-US" dirty="0"/>
+              <a:t>Git demo</a:t>
+            </a:r>
+            <a:endParaRPr lang="en-US" sz="2800" dirty="0"/>
           </a:p>
         </p:txBody>
       </p:sp>
